--- a/Presentation/Profitable_presentation.pptx
+++ b/Presentation/Profitable_presentation.pptx
@@ -267,7 +267,7 @@
           <a:p>
             <a:fld id="{60C677BE-FF93-464C-BE69-58BF5F9258E2}" type="datetimeFigureOut">
               <a:rPr lang="en-US" smtClean="0"/>
-              <a:t>5/1/2023</a:t>
+              <a:t>5/2/2023</a:t>
             </a:fld>
             <a:endParaRPr lang="en-US"/>
           </a:p>
@@ -465,7 +465,7 @@
           <a:p>
             <a:fld id="{60C677BE-FF93-464C-BE69-58BF5F9258E2}" type="datetimeFigureOut">
               <a:rPr lang="en-US" smtClean="0"/>
-              <a:t>5/1/2023</a:t>
+              <a:t>5/2/2023</a:t>
             </a:fld>
             <a:endParaRPr lang="en-US"/>
           </a:p>
@@ -673,7 +673,7 @@
           <a:p>
             <a:fld id="{60C677BE-FF93-464C-BE69-58BF5F9258E2}" type="datetimeFigureOut">
               <a:rPr lang="en-US" smtClean="0"/>
-              <a:t>5/1/2023</a:t>
+              <a:t>5/2/2023</a:t>
             </a:fld>
             <a:endParaRPr lang="en-US"/>
           </a:p>
@@ -871,7 +871,7 @@
           <a:p>
             <a:fld id="{60C677BE-FF93-464C-BE69-58BF5F9258E2}" type="datetimeFigureOut">
               <a:rPr lang="en-US" smtClean="0"/>
-              <a:t>5/1/2023</a:t>
+              <a:t>5/2/2023</a:t>
             </a:fld>
             <a:endParaRPr lang="en-US"/>
           </a:p>
@@ -1146,7 +1146,7 @@
           <a:p>
             <a:fld id="{60C677BE-FF93-464C-BE69-58BF5F9258E2}" type="datetimeFigureOut">
               <a:rPr lang="en-US" smtClean="0"/>
-              <a:t>5/1/2023</a:t>
+              <a:t>5/2/2023</a:t>
             </a:fld>
             <a:endParaRPr lang="en-US"/>
           </a:p>
@@ -1411,7 +1411,7 @@
           <a:p>
             <a:fld id="{60C677BE-FF93-464C-BE69-58BF5F9258E2}" type="datetimeFigureOut">
               <a:rPr lang="en-US" smtClean="0"/>
-              <a:t>5/1/2023</a:t>
+              <a:t>5/2/2023</a:t>
             </a:fld>
             <a:endParaRPr lang="en-US"/>
           </a:p>
@@ -1823,7 +1823,7 @@
           <a:p>
             <a:fld id="{60C677BE-FF93-464C-BE69-58BF5F9258E2}" type="datetimeFigureOut">
               <a:rPr lang="en-US" smtClean="0"/>
-              <a:t>5/1/2023</a:t>
+              <a:t>5/2/2023</a:t>
             </a:fld>
             <a:endParaRPr lang="en-US"/>
           </a:p>
@@ -1964,7 +1964,7 @@
           <a:p>
             <a:fld id="{60C677BE-FF93-464C-BE69-58BF5F9258E2}" type="datetimeFigureOut">
               <a:rPr lang="en-US" smtClean="0"/>
-              <a:t>5/1/2023</a:t>
+              <a:t>5/2/2023</a:t>
             </a:fld>
             <a:endParaRPr lang="en-US"/>
           </a:p>
@@ -2077,7 +2077,7 @@
           <a:p>
             <a:fld id="{60C677BE-FF93-464C-BE69-58BF5F9258E2}" type="datetimeFigureOut">
               <a:rPr lang="en-US" smtClean="0"/>
-              <a:t>5/1/2023</a:t>
+              <a:t>5/2/2023</a:t>
             </a:fld>
             <a:endParaRPr lang="en-US"/>
           </a:p>
@@ -2388,7 +2388,7 @@
           <a:p>
             <a:fld id="{60C677BE-FF93-464C-BE69-58BF5F9258E2}" type="datetimeFigureOut">
               <a:rPr lang="en-US" smtClean="0"/>
-              <a:t>5/1/2023</a:t>
+              <a:t>5/2/2023</a:t>
             </a:fld>
             <a:endParaRPr lang="en-US"/>
           </a:p>
@@ -2676,7 +2676,7 @@
           <a:p>
             <a:fld id="{60C677BE-FF93-464C-BE69-58BF5F9258E2}" type="datetimeFigureOut">
               <a:rPr lang="en-US" smtClean="0"/>
-              <a:t>5/1/2023</a:t>
+              <a:t>5/2/2023</a:t>
             </a:fld>
             <a:endParaRPr lang="en-US"/>
           </a:p>
@@ -2917,7 +2917,7 @@
           <a:p>
             <a:fld id="{60C677BE-FF93-464C-BE69-58BF5F9258E2}" type="datetimeFigureOut">
               <a:rPr lang="en-US" smtClean="0"/>
-              <a:t>5/1/2023</a:t>
+              <a:t>5/2/2023</a:t>
             </a:fld>
             <a:endParaRPr lang="en-US"/>
           </a:p>
@@ -3701,7 +3701,7 @@
         </p:spPr>
         <p:txBody>
           <a:bodyPr anchor="t">
-            <a:normAutofit lnSpcReduction="10000"/>
+            <a:normAutofit fontScale="92500" lnSpcReduction="20000"/>
           </a:bodyPr>
           <a:lstStyle/>
           <a:p>
@@ -3711,7 +3711,7 @@
               </a:lnSpc>
             </a:pPr>
             <a:r>
-              <a:rPr lang="en-US" dirty="0">
+              <a:rPr lang="en-US" sz="3200" dirty="0">
                 <a:solidFill>
                   <a:schemeClr val="bg1"/>
                 </a:solidFill>
@@ -3727,7 +3727,7 @@
               </a:lnSpc>
             </a:pPr>
             <a:r>
-              <a:rPr lang="en-US" dirty="0">
+              <a:rPr lang="en-US" sz="3200" dirty="0">
                 <a:solidFill>
                   <a:schemeClr val="bg1"/>
                 </a:solidFill>
@@ -3743,7 +3743,7 @@
               </a:lnSpc>
             </a:pPr>
             <a:r>
-              <a:rPr lang="en-US" dirty="0">
+              <a:rPr lang="en-US" sz="3200" dirty="0">
                 <a:solidFill>
                   <a:schemeClr val="bg1"/>
                 </a:solidFill>
@@ -3759,7 +3759,7 @@
               </a:lnSpc>
             </a:pPr>
             <a:r>
-              <a:rPr lang="en-US" dirty="0">
+              <a:rPr lang="en-US" sz="3200" dirty="0">
                 <a:solidFill>
                   <a:schemeClr val="bg1"/>
                 </a:solidFill>
@@ -3775,7 +3775,7 @@
               </a:lnSpc>
             </a:pPr>
             <a:r>
-              <a:rPr lang="en-US" dirty="0">
+              <a:rPr lang="en-US" sz="3200" dirty="0">
                 <a:solidFill>
                   <a:schemeClr val="bg1"/>
                 </a:solidFill>
@@ -5169,10 +5169,17 @@
                 </a:solidFill>
                 <a:latin typeface="Agency FB" panose="020B0503020202020204" pitchFamily="34" charset="0"/>
               </a:rPr>
-              <a:t>Frontend application – React – React components</a:t>
-            </a:r>
-          </a:p>
-          <a:p>
+              <a:t>Frontend application – </a:t>
+            </a:r>
+            <a:r>
+              <a:rPr lang="en-US" sz="2400" b="1" dirty="0">
+                <a:solidFill>
+                  <a:schemeClr val="bg1"/>
+                </a:solidFill>
+                <a:latin typeface="Agency FB" panose="020B0503020202020204" pitchFamily="34" charset="0"/>
+              </a:rPr>
+              <a:t>React</a:t>
+            </a:r>
             <a:r>
               <a:rPr lang="en-US" sz="2400" dirty="0">
                 <a:solidFill>
@@ -5180,7 +5187,7 @@
                 </a:solidFill>
                 <a:latin typeface="Agency FB" panose="020B0503020202020204" pitchFamily="34" charset="0"/>
               </a:rPr>
-              <a:t>Backend application – ASP.NET WEB API </a:t>
+              <a:t> – React components</a:t>
             </a:r>
           </a:p>
           <a:p>
@@ -5191,7 +5198,36 @@
                 </a:solidFill>
                 <a:latin typeface="Agency FB" panose="020B0503020202020204" pitchFamily="34" charset="0"/>
               </a:rPr>
-              <a:t>Communication – HTTP or Websocket protocol</a:t>
+              <a:t>Backend application – </a:t>
+            </a:r>
+            <a:r>
+              <a:rPr lang="en-US" sz="2400" b="1" dirty="0">
+                <a:solidFill>
+                  <a:schemeClr val="bg1"/>
+                </a:solidFill>
+                <a:latin typeface="Agency FB" panose="020B0503020202020204" pitchFamily="34" charset="0"/>
+              </a:rPr>
+              <a:t>ASP.NET WEB API </a:t>
+            </a:r>
+          </a:p>
+          <a:p>
+            <a:r>
+              <a:rPr lang="en-US" sz="2400" dirty="0">
+                <a:solidFill>
+                  <a:schemeClr val="bg1"/>
+                </a:solidFill>
+                <a:latin typeface="Agency FB" panose="020B0503020202020204" pitchFamily="34" charset="0"/>
+              </a:rPr>
+              <a:t>Communication – </a:t>
+            </a:r>
+            <a:r>
+              <a:rPr lang="en-US" sz="2400" b="1" dirty="0">
+                <a:solidFill>
+                  <a:schemeClr val="bg1"/>
+                </a:solidFill>
+                <a:latin typeface="Agency FB" panose="020B0503020202020204" pitchFamily="34" charset="0"/>
+              </a:rPr>
+              <a:t>HTTP or Websocket protocol</a:t>
             </a:r>
           </a:p>
         </p:txBody>

--- a/Presentation/Profitable_presentation.pptx
+++ b/Presentation/Profitable_presentation.pptx
@@ -267,7 +267,7 @@
           <a:p>
             <a:fld id="{60C677BE-FF93-464C-BE69-58BF5F9258E2}" type="datetimeFigureOut">
               <a:rPr lang="en-US" smtClean="0"/>
-              <a:t>5/2/2023</a:t>
+              <a:t>5/14/2023</a:t>
             </a:fld>
             <a:endParaRPr lang="en-US"/>
           </a:p>
@@ -465,7 +465,7 @@
           <a:p>
             <a:fld id="{60C677BE-FF93-464C-BE69-58BF5F9258E2}" type="datetimeFigureOut">
               <a:rPr lang="en-US" smtClean="0"/>
-              <a:t>5/2/2023</a:t>
+              <a:t>5/14/2023</a:t>
             </a:fld>
             <a:endParaRPr lang="en-US"/>
           </a:p>
@@ -673,7 +673,7 @@
           <a:p>
             <a:fld id="{60C677BE-FF93-464C-BE69-58BF5F9258E2}" type="datetimeFigureOut">
               <a:rPr lang="en-US" smtClean="0"/>
-              <a:t>5/2/2023</a:t>
+              <a:t>5/14/2023</a:t>
             </a:fld>
             <a:endParaRPr lang="en-US"/>
           </a:p>
@@ -871,7 +871,7 @@
           <a:p>
             <a:fld id="{60C677BE-FF93-464C-BE69-58BF5F9258E2}" type="datetimeFigureOut">
               <a:rPr lang="en-US" smtClean="0"/>
-              <a:t>5/2/2023</a:t>
+              <a:t>5/14/2023</a:t>
             </a:fld>
             <a:endParaRPr lang="en-US"/>
           </a:p>
@@ -1146,7 +1146,7 @@
           <a:p>
             <a:fld id="{60C677BE-FF93-464C-BE69-58BF5F9258E2}" type="datetimeFigureOut">
               <a:rPr lang="en-US" smtClean="0"/>
-              <a:t>5/2/2023</a:t>
+              <a:t>5/14/2023</a:t>
             </a:fld>
             <a:endParaRPr lang="en-US"/>
           </a:p>
@@ -1411,7 +1411,7 @@
           <a:p>
             <a:fld id="{60C677BE-FF93-464C-BE69-58BF5F9258E2}" type="datetimeFigureOut">
               <a:rPr lang="en-US" smtClean="0"/>
-              <a:t>5/2/2023</a:t>
+              <a:t>5/14/2023</a:t>
             </a:fld>
             <a:endParaRPr lang="en-US"/>
           </a:p>
@@ -1823,7 +1823,7 @@
           <a:p>
             <a:fld id="{60C677BE-FF93-464C-BE69-58BF5F9258E2}" type="datetimeFigureOut">
               <a:rPr lang="en-US" smtClean="0"/>
-              <a:t>5/2/2023</a:t>
+              <a:t>5/14/2023</a:t>
             </a:fld>
             <a:endParaRPr lang="en-US"/>
           </a:p>
@@ -1964,7 +1964,7 @@
           <a:p>
             <a:fld id="{60C677BE-FF93-464C-BE69-58BF5F9258E2}" type="datetimeFigureOut">
               <a:rPr lang="en-US" smtClean="0"/>
-              <a:t>5/2/2023</a:t>
+              <a:t>5/14/2023</a:t>
             </a:fld>
             <a:endParaRPr lang="en-US"/>
           </a:p>
@@ -2077,7 +2077,7 @@
           <a:p>
             <a:fld id="{60C677BE-FF93-464C-BE69-58BF5F9258E2}" type="datetimeFigureOut">
               <a:rPr lang="en-US" smtClean="0"/>
-              <a:t>5/2/2023</a:t>
+              <a:t>5/14/2023</a:t>
             </a:fld>
             <a:endParaRPr lang="en-US"/>
           </a:p>
@@ -2388,7 +2388,7 @@
           <a:p>
             <a:fld id="{60C677BE-FF93-464C-BE69-58BF5F9258E2}" type="datetimeFigureOut">
               <a:rPr lang="en-US" smtClean="0"/>
-              <a:t>5/2/2023</a:t>
+              <a:t>5/14/2023</a:t>
             </a:fld>
             <a:endParaRPr lang="en-US"/>
           </a:p>
@@ -2676,7 +2676,7 @@
           <a:p>
             <a:fld id="{60C677BE-FF93-464C-BE69-58BF5F9258E2}" type="datetimeFigureOut">
               <a:rPr lang="en-US" smtClean="0"/>
-              <a:t>5/2/2023</a:t>
+              <a:t>5/14/2023</a:t>
             </a:fld>
             <a:endParaRPr lang="en-US"/>
           </a:p>
@@ -2917,7 +2917,7 @@
           <a:p>
             <a:fld id="{60C677BE-FF93-464C-BE69-58BF5F9258E2}" type="datetimeFigureOut">
               <a:rPr lang="en-US" smtClean="0"/>
-              <a:t>5/2/2023</a:t>
+              <a:t>5/14/2023</a:t>
             </a:fld>
             <a:endParaRPr lang="en-US"/>
           </a:p>
@@ -3395,8 +3395,8 @@
         </p:nvSpPr>
         <p:spPr>
           <a:xfrm>
-            <a:off x="54864" y="0"/>
-            <a:ext cx="12070080" cy="6766560"/>
+            <a:off x="0" y="0"/>
+            <a:ext cx="12192000" cy="6858000"/>
           </a:xfrm>
           <a:prstGeom prst="rect">
             <a:avLst/>
@@ -3469,7 +3469,7 @@
                 </a:solidFill>
                 <a:latin typeface="Agency FB" panose="020B0503020202020204" pitchFamily="34" charset="0"/>
               </a:rPr>
-              <a:t>Profitable</a:t>
+              <a:t>PROFITABLE</a:t>
             </a:r>
           </a:p>
         </p:txBody>
@@ -3490,7 +3490,12 @@
             <p:ph type="subTitle" idx="1"/>
           </p:nvPr>
         </p:nvSpPr>
-        <p:spPr/>
+        <p:spPr>
+          <a:xfrm>
+            <a:off x="1411511" y="3509963"/>
+            <a:ext cx="9356785" cy="1655762"/>
+          </a:xfrm>
+        </p:spPr>
         <p:txBody>
           <a:bodyPr>
             <a:normAutofit/>
@@ -3498,14 +3503,38 @@
           <a:lstStyle/>
           <a:p>
             <a:r>
+              <a:rPr lang="en-US" sz="3200" b="1" dirty="0">
+                <a:solidFill>
+                  <a:schemeClr val="bg1"/>
+                </a:solidFill>
+                <a:latin typeface="Agency FB" panose="020B0503020202020204" pitchFamily="34" charset="0"/>
+              </a:rPr>
+              <a:t>All-in-one</a:t>
+            </a:r>
+            <a:r>
               <a:rPr lang="en-US" sz="3200" dirty="0">
                 <a:solidFill>
                   <a:schemeClr val="bg1"/>
                 </a:solidFill>
                 <a:latin typeface="Agency FB" panose="020B0503020202020204" pitchFamily="34" charset="0"/>
               </a:rPr>
-              <a:t>All-in-one platform for the professional speculators</a:t>
-            </a:r>
+              <a:t> </a:t>
+            </a:r>
+            <a:r>
+              <a:rPr lang="bg-BG" sz="3200" dirty="0">
+                <a:solidFill>
+                  <a:schemeClr val="bg1"/>
+                </a:solidFill>
+                <a:latin typeface="Agency FB" panose="020B0503020202020204" pitchFamily="34" charset="0"/>
+              </a:rPr>
+              <a:t>платформа за професионалните спекуланти</a:t>
+            </a:r>
+            <a:endParaRPr lang="en-US" sz="3200" dirty="0">
+              <a:solidFill>
+                <a:schemeClr val="bg1"/>
+              </a:solidFill>
+              <a:latin typeface="Agency FB" panose="020B0503020202020204" pitchFamily="34" charset="0"/>
+            </a:endParaRPr>
           </a:p>
         </p:txBody>
       </p:sp>
@@ -3519,6 +3548,9 @@
   <p:clrMapOvr>
     <a:masterClrMapping/>
   </p:clrMapOvr>
+  <p:transition spd="slow">
+    <p:push dir="u"/>
+  </p:transition>
 </p:sld>
 </file>
 
@@ -3600,8 +3632,8 @@
         </p:nvSpPr>
         <p:spPr>
           <a:xfrm>
-            <a:off x="54864" y="0"/>
-            <a:ext cx="12070080" cy="6766560"/>
+            <a:off x="0" y="0"/>
+            <a:ext cx="12192000" cy="6858000"/>
           </a:xfrm>
           <a:prstGeom prst="rect">
             <a:avLst/>
@@ -3666,14 +3698,20 @@
           <a:lstStyle/>
           <a:p>
             <a:r>
-              <a:rPr lang="en-US" b="1" spc="100" dirty="0">
-                <a:solidFill>
-                  <a:schemeClr val="bg1"/>
-                </a:solidFill>
-                <a:latin typeface="Agency FB" panose="020B0503020202020204" pitchFamily="34" charset="0"/>
-              </a:rPr>
-              <a:t>Agenda</a:t>
-            </a:r>
+              <a:rPr lang="bg-BG" sz="4000" b="1" spc="100" dirty="0">
+                <a:solidFill>
+                  <a:schemeClr val="bg1"/>
+                </a:solidFill>
+                <a:latin typeface="Agency FB" panose="020B0503020202020204" pitchFamily="34" charset="0"/>
+              </a:rPr>
+              <a:t>Съдържание</a:t>
+            </a:r>
+            <a:endParaRPr lang="en-US" b="1" spc="100" dirty="0">
+              <a:solidFill>
+                <a:schemeClr val="bg1"/>
+              </a:solidFill>
+              <a:latin typeface="Agency FB" panose="020B0503020202020204" pitchFamily="34" charset="0"/>
+            </a:endParaRPr>
           </a:p>
         </p:txBody>
       </p:sp>
@@ -3701,7 +3739,7 @@
         </p:spPr>
         <p:txBody>
           <a:bodyPr anchor="t">
-            <a:normAutofit fontScale="92500" lnSpcReduction="20000"/>
+            <a:normAutofit fontScale="85000" lnSpcReduction="20000"/>
           </a:bodyPr>
           <a:lstStyle/>
           <a:p>
@@ -3711,14 +3749,20 @@
               </a:lnSpc>
             </a:pPr>
             <a:r>
-              <a:rPr lang="en-US" sz="3200" dirty="0">
-                <a:solidFill>
-                  <a:schemeClr val="bg1"/>
-                </a:solidFill>
-                <a:latin typeface="Agency FB" panose="020B0503020202020204" pitchFamily="34" charset="0"/>
-              </a:rPr>
-              <a:t>The Problem</a:t>
-            </a:r>
+              <a:rPr lang="bg-BG" sz="3800" dirty="0">
+                <a:solidFill>
+                  <a:schemeClr val="bg1"/>
+                </a:solidFill>
+                <a:latin typeface="Agency FB" panose="020B0503020202020204" pitchFamily="34" charset="0"/>
+              </a:rPr>
+              <a:t>Проблемът</a:t>
+            </a:r>
+            <a:endParaRPr lang="en-US" sz="3700" dirty="0">
+              <a:solidFill>
+                <a:schemeClr val="bg1"/>
+              </a:solidFill>
+              <a:latin typeface="Agency FB" panose="020B0503020202020204" pitchFamily="34" charset="0"/>
+            </a:endParaRPr>
           </a:p>
           <a:p>
             <a:pPr>
@@ -3727,14 +3771,20 @@
               </a:lnSpc>
             </a:pPr>
             <a:r>
-              <a:rPr lang="en-US" sz="3200" dirty="0">
-                <a:solidFill>
-                  <a:schemeClr val="bg1"/>
-                </a:solidFill>
-                <a:latin typeface="Agency FB" panose="020B0503020202020204" pitchFamily="34" charset="0"/>
-              </a:rPr>
-              <a:t>The Solution</a:t>
-            </a:r>
+              <a:rPr lang="bg-BG" sz="3700" dirty="0">
+                <a:solidFill>
+                  <a:schemeClr val="bg1"/>
+                </a:solidFill>
+                <a:latin typeface="Agency FB" panose="020B0503020202020204" pitchFamily="34" charset="0"/>
+              </a:rPr>
+              <a:t>Решението</a:t>
+            </a:r>
+            <a:endParaRPr lang="en-US" sz="3700" dirty="0">
+              <a:solidFill>
+                <a:schemeClr val="bg1"/>
+              </a:solidFill>
+              <a:latin typeface="Agency FB" panose="020B0503020202020204" pitchFamily="34" charset="0"/>
+            </a:endParaRPr>
           </a:p>
           <a:p>
             <a:pPr>
@@ -3743,14 +3793,20 @@
               </a:lnSpc>
             </a:pPr>
             <a:r>
-              <a:rPr lang="en-US" sz="3200" dirty="0">
-                <a:solidFill>
-                  <a:schemeClr val="bg1"/>
-                </a:solidFill>
-                <a:latin typeface="Agency FB" panose="020B0503020202020204" pitchFamily="34" charset="0"/>
-              </a:rPr>
-              <a:t>Current Development State</a:t>
-            </a:r>
+              <a:rPr lang="bg-BG" sz="3700" dirty="0">
+                <a:solidFill>
+                  <a:schemeClr val="bg1"/>
+                </a:solidFill>
+                <a:latin typeface="Agency FB" panose="020B0503020202020204" pitchFamily="34" charset="0"/>
+              </a:rPr>
+              <a:t>Текущо състояние на разработката</a:t>
+            </a:r>
+            <a:endParaRPr lang="en-US" sz="3700" dirty="0">
+              <a:solidFill>
+                <a:schemeClr val="bg1"/>
+              </a:solidFill>
+              <a:latin typeface="Agency FB" panose="020B0503020202020204" pitchFamily="34" charset="0"/>
+            </a:endParaRPr>
           </a:p>
           <a:p>
             <a:pPr>
@@ -3759,14 +3815,20 @@
               </a:lnSpc>
             </a:pPr>
             <a:r>
-              <a:rPr lang="en-US" sz="3200" dirty="0">
-                <a:solidFill>
-                  <a:schemeClr val="bg1"/>
-                </a:solidFill>
-                <a:latin typeface="Agency FB" panose="020B0503020202020204" pitchFamily="34" charset="0"/>
-              </a:rPr>
-              <a:t>System Design Diagram – Current Development State </a:t>
-            </a:r>
+              <a:rPr lang="bg-BG" sz="3700" dirty="0">
+                <a:solidFill>
+                  <a:schemeClr val="bg1"/>
+                </a:solidFill>
+                <a:latin typeface="Agency FB" panose="020B0503020202020204" pitchFamily="34" charset="0"/>
+              </a:rPr>
+              <a:t>Диаграма на текущия системен дизайн</a:t>
+            </a:r>
+            <a:endParaRPr lang="en-US" sz="3700" dirty="0">
+              <a:solidFill>
+                <a:schemeClr val="bg1"/>
+              </a:solidFill>
+              <a:latin typeface="Agency FB" panose="020B0503020202020204" pitchFamily="34" charset="0"/>
+            </a:endParaRPr>
           </a:p>
           <a:p>
             <a:pPr>
@@ -3775,14 +3837,20 @@
               </a:lnSpc>
             </a:pPr>
             <a:r>
-              <a:rPr lang="en-US" sz="3200" dirty="0">
-                <a:solidFill>
-                  <a:schemeClr val="bg1"/>
-                </a:solidFill>
-                <a:latin typeface="Agency FB" panose="020B0503020202020204" pitchFamily="34" charset="0"/>
-              </a:rPr>
-              <a:t>The Future of The Platform</a:t>
-            </a:r>
+              <a:rPr lang="bg-BG" sz="3700" dirty="0">
+                <a:solidFill>
+                  <a:schemeClr val="bg1"/>
+                </a:solidFill>
+                <a:latin typeface="Agency FB" panose="020B0503020202020204" pitchFamily="34" charset="0"/>
+              </a:rPr>
+              <a:t>Бъдещето на платформата</a:t>
+            </a:r>
+            <a:endParaRPr lang="en-US" sz="3700" dirty="0">
+              <a:solidFill>
+                <a:schemeClr val="bg1"/>
+              </a:solidFill>
+              <a:latin typeface="Agency FB" panose="020B0503020202020204" pitchFamily="34" charset="0"/>
+            </a:endParaRPr>
           </a:p>
         </p:txBody>
       </p:sp>
@@ -3796,6 +3864,9 @@
   <p:clrMapOvr>
     <a:masterClrMapping/>
   </p:clrMapOvr>
+  <p:transition spd="slow">
+    <p:push dir="u"/>
+  </p:transition>
 </p:sld>
 </file>
 
@@ -3877,8 +3948,8 @@
         </p:nvSpPr>
         <p:spPr>
           <a:xfrm>
-            <a:off x="54864" y="0"/>
-            <a:ext cx="12070080" cy="6766560"/>
+            <a:off x="0" y="8626"/>
+            <a:ext cx="12192000" cy="6849374"/>
           </a:xfrm>
           <a:prstGeom prst="rect">
             <a:avLst/>
@@ -3939,18 +4010,26 @@
         </p:nvSpPr>
         <p:spPr/>
         <p:txBody>
-          <a:bodyPr/>
-          <a:lstStyle/>
-          <a:p>
-            <a:r>
-              <a:rPr lang="en-US" b="1" spc="100" dirty="0">
-                <a:solidFill>
-                  <a:schemeClr val="bg1"/>
-                </a:solidFill>
-                <a:latin typeface="Agency FB" panose="020B0503020202020204" pitchFamily="34" charset="0"/>
-              </a:rPr>
-              <a:t>The Problem</a:t>
-            </a:r>
+          <a:bodyPr>
+            <a:normAutofit/>
+          </a:bodyPr>
+          <a:lstStyle/>
+          <a:p>
+            <a:r>
+              <a:rPr lang="bg-BG" sz="4000" b="1" spc="100" dirty="0">
+                <a:solidFill>
+                  <a:schemeClr val="bg1"/>
+                </a:solidFill>
+                <a:latin typeface="Agency FB" panose="020B0503020202020204" pitchFamily="34" charset="0"/>
+              </a:rPr>
+              <a:t>Проблемът</a:t>
+            </a:r>
+            <a:endParaRPr lang="en-US" sz="3400" b="1" spc="100" dirty="0">
+              <a:solidFill>
+                <a:schemeClr val="bg1"/>
+              </a:solidFill>
+              <a:latin typeface="Agency FB" panose="020B0503020202020204" pitchFamily="34" charset="0"/>
+            </a:endParaRPr>
           </a:p>
         </p:txBody>
       </p:sp>
@@ -3988,14 +4067,45 @@
               </a:lnSpc>
             </a:pPr>
             <a:r>
-              <a:rPr lang="en-US" sz="3200" dirty="0">
-                <a:solidFill>
-                  <a:schemeClr val="bg1"/>
-                </a:solidFill>
-                <a:latin typeface="Agency FB" panose="020B0503020202020204" pitchFamily="34" charset="0"/>
-              </a:rPr>
-              <a:t>Too many platforms are used – tough and costly to manage</a:t>
-            </a:r>
+              <a:rPr lang="bg-BG" sz="3200" dirty="0">
+                <a:solidFill>
+                  <a:schemeClr val="bg1"/>
+                </a:solidFill>
+                <a:latin typeface="Agency FB" panose="020B0503020202020204" pitchFamily="34" charset="0"/>
+              </a:rPr>
+              <a:t>Твърде много използвани платформи</a:t>
+            </a:r>
+          </a:p>
+          <a:p>
+            <a:pPr lvl="1">
+              <a:lnSpc>
+                <a:spcPct val="150000"/>
+              </a:lnSpc>
+            </a:pPr>
+            <a:r>
+              <a:rPr lang="en-US" dirty="0">
+                <a:solidFill>
+                  <a:schemeClr val="bg1"/>
+                </a:solidFill>
+                <a:latin typeface="Agency FB" panose="020B0503020202020204" pitchFamily="34" charset="0"/>
+              </a:rPr>
+              <a:t> </a:t>
+            </a:r>
+            <a:r>
+              <a:rPr lang="bg-BG" dirty="0">
+                <a:solidFill>
+                  <a:schemeClr val="bg1"/>
+                </a:solidFill>
+                <a:latin typeface="Agency FB" panose="020B0503020202020204" pitchFamily="34" charset="0"/>
+              </a:rPr>
+              <a:t>трудно и скъпо управление на профилите за всяка платформа</a:t>
+            </a:r>
+            <a:endParaRPr lang="en-US" dirty="0">
+              <a:solidFill>
+                <a:schemeClr val="bg1"/>
+              </a:solidFill>
+              <a:latin typeface="Agency FB" panose="020B0503020202020204" pitchFamily="34" charset="0"/>
+            </a:endParaRPr>
           </a:p>
           <a:p>
             <a:pPr>
@@ -4004,14 +4114,20 @@
               </a:lnSpc>
             </a:pPr>
             <a:r>
-              <a:rPr lang="en-US" sz="3200" dirty="0">
-                <a:solidFill>
-                  <a:schemeClr val="bg1"/>
-                </a:solidFill>
-                <a:latin typeface="Agency FB" panose="020B0503020202020204" pitchFamily="34" charset="0"/>
-              </a:rPr>
-              <a:t>Some are not narrowly oriented to the speculator profession</a:t>
-            </a:r>
+              <a:rPr lang="bg-BG" sz="3200" dirty="0">
+                <a:solidFill>
+                  <a:schemeClr val="bg1"/>
+                </a:solidFill>
+                <a:latin typeface="Agency FB" panose="020B0503020202020204" pitchFamily="34" charset="0"/>
+              </a:rPr>
+              <a:t>Не са тясно ориентирани към професията на спекуланта</a:t>
+            </a:r>
+            <a:endParaRPr lang="en-US" sz="3200" dirty="0">
+              <a:solidFill>
+                <a:schemeClr val="bg1"/>
+              </a:solidFill>
+              <a:latin typeface="Agency FB" panose="020B0503020202020204" pitchFamily="34" charset="0"/>
+            </a:endParaRPr>
           </a:p>
           <a:p>
             <a:pPr>
@@ -4020,14 +4136,20 @@
               </a:lnSpc>
             </a:pPr>
             <a:r>
-              <a:rPr lang="en-US" sz="3200" dirty="0">
-                <a:solidFill>
-                  <a:schemeClr val="bg1"/>
-                </a:solidFill>
-                <a:latin typeface="Agency FB" panose="020B0503020202020204" pitchFamily="34" charset="0"/>
-              </a:rPr>
-              <a:t>Valuable functionalities are missing</a:t>
-            </a:r>
+              <a:rPr lang="bg-BG" sz="3200" dirty="0">
+                <a:solidFill>
+                  <a:schemeClr val="bg1"/>
+                </a:solidFill>
+                <a:latin typeface="Agency FB" panose="020B0503020202020204" pitchFamily="34" charset="0"/>
+              </a:rPr>
+              <a:t>Липсват ценни функционалности</a:t>
+            </a:r>
+            <a:endParaRPr lang="en-US" sz="3200" dirty="0">
+              <a:solidFill>
+                <a:schemeClr val="bg1"/>
+              </a:solidFill>
+              <a:latin typeface="Agency FB" panose="020B0503020202020204" pitchFamily="34" charset="0"/>
+            </a:endParaRPr>
           </a:p>
           <a:p>
             <a:pPr>
@@ -4036,14 +4158,20 @@
               </a:lnSpc>
             </a:pPr>
             <a:r>
-              <a:rPr lang="en-US" sz="3200" dirty="0">
-                <a:solidFill>
-                  <a:schemeClr val="bg1"/>
-                </a:solidFill>
-                <a:latin typeface="Agency FB" panose="020B0503020202020204" pitchFamily="34" charset="0"/>
-              </a:rPr>
-              <a:t>There is no existing anti-disinformation platform</a:t>
-            </a:r>
+              <a:rPr lang="bg-BG" sz="3200" dirty="0">
+                <a:solidFill>
+                  <a:schemeClr val="bg1"/>
+                </a:solidFill>
+                <a:latin typeface="Agency FB" panose="020B0503020202020204" pitchFamily="34" charset="0"/>
+              </a:rPr>
+              <a:t>Няма публична антидезинформационна платформа</a:t>
+            </a:r>
+            <a:endParaRPr lang="en-US" sz="3200" dirty="0">
+              <a:solidFill>
+                <a:schemeClr val="bg1"/>
+              </a:solidFill>
+              <a:latin typeface="Agency FB" panose="020B0503020202020204" pitchFamily="34" charset="0"/>
+            </a:endParaRPr>
           </a:p>
         </p:txBody>
       </p:sp>
@@ -4057,6 +4185,9 @@
   <p:clrMapOvr>
     <a:masterClrMapping/>
   </p:clrMapOvr>
+  <p:transition spd="slow">
+    <p:push dir="u"/>
+  </p:transition>
 </p:sld>
 </file>
 
@@ -4138,8 +4269,8 @@
         </p:nvSpPr>
         <p:spPr>
           <a:xfrm>
-            <a:off x="54864" y="0"/>
-            <a:ext cx="12070080" cy="6766560"/>
+            <a:off x="0" y="0"/>
+            <a:ext cx="12192000" cy="6858000"/>
           </a:xfrm>
           <a:prstGeom prst="rect">
             <a:avLst/>
@@ -4178,7 +4309,7 @@
           <a:lstStyle/>
           <a:p>
             <a:pPr algn="ctr"/>
-            <a:endParaRPr lang="en-US"/>
+            <a:endParaRPr lang="en-US" dirty="0"/>
           </a:p>
         </p:txBody>
       </p:sp>
@@ -4204,14 +4335,20 @@
           <a:lstStyle/>
           <a:p>
             <a:r>
-              <a:rPr lang="en-US" b="1" spc="100" dirty="0">
-                <a:solidFill>
-                  <a:schemeClr val="bg1"/>
-                </a:solidFill>
-                <a:latin typeface="Agency FB" panose="020B0503020202020204" pitchFamily="34" charset="0"/>
-              </a:rPr>
-              <a:t>The Solution</a:t>
-            </a:r>
+              <a:rPr lang="bg-BG" sz="4000" b="1" spc="100" dirty="0">
+                <a:solidFill>
+                  <a:schemeClr val="bg1"/>
+                </a:solidFill>
+                <a:latin typeface="Agency FB" panose="020B0503020202020204" pitchFamily="34" charset="0"/>
+              </a:rPr>
+              <a:t>Решението</a:t>
+            </a:r>
+            <a:endParaRPr lang="en-US" b="1" spc="100" dirty="0">
+              <a:solidFill>
+                <a:schemeClr val="bg1"/>
+              </a:solidFill>
+              <a:latin typeface="Agency FB" panose="020B0503020202020204" pitchFamily="34" charset="0"/>
+            </a:endParaRPr>
           </a:p>
         </p:txBody>
       </p:sp>
@@ -4228,13 +4365,18 @@
             <a:spLocks noGrp="1"/>
           </p:cNvSpPr>
           <p:nvPr>
-            <p:ph idx="1"/>
-          </p:nvPr>
-        </p:nvSpPr>
-        <p:spPr/>
+            <p:ph sz="half" idx="1"/>
+          </p:nvPr>
+        </p:nvSpPr>
+        <p:spPr>
+          <a:xfrm>
+            <a:off x="588033" y="1825625"/>
+            <a:ext cx="5878903" cy="4351338"/>
+          </a:xfrm>
+        </p:spPr>
         <p:txBody>
           <a:bodyPr>
-            <a:normAutofit fontScale="92500" lnSpcReduction="10000"/>
+            <a:normAutofit fontScale="85000" lnSpcReduction="10000"/>
           </a:bodyPr>
           <a:lstStyle/>
           <a:p>
@@ -4244,14 +4386,60 @@
               </a:lnSpc>
             </a:pPr>
             <a:r>
-              <a:rPr lang="en-US" sz="3200" dirty="0">
-                <a:solidFill>
-                  <a:schemeClr val="bg1"/>
-                </a:solidFill>
-                <a:latin typeface="Agency FB" panose="020B0503020202020204" pitchFamily="34" charset="0"/>
-              </a:rPr>
-              <a:t>All-in-one platform – one profile accessing all functionalities needed</a:t>
-            </a:r>
+              <a:rPr lang="en-US" b="1" dirty="0">
+                <a:solidFill>
+                  <a:schemeClr val="bg1"/>
+                </a:solidFill>
+                <a:latin typeface="Agency FB" panose="020B0503020202020204" pitchFamily="34" charset="0"/>
+              </a:rPr>
+              <a:t>All-in-one </a:t>
+            </a:r>
+            <a:r>
+              <a:rPr lang="bg-BG" dirty="0">
+                <a:solidFill>
+                  <a:schemeClr val="bg1"/>
+                </a:solidFill>
+                <a:latin typeface="Agency FB" panose="020B0503020202020204" pitchFamily="34" charset="0"/>
+              </a:rPr>
+              <a:t>платформа</a:t>
+            </a:r>
+            <a:r>
+              <a:rPr lang="en-US" dirty="0">
+                <a:solidFill>
+                  <a:schemeClr val="bg1"/>
+                </a:solidFill>
+                <a:latin typeface="Agency FB" panose="020B0503020202020204" pitchFamily="34" charset="0"/>
+              </a:rPr>
+              <a:t> </a:t>
+            </a:r>
+            <a:endParaRPr lang="bg-BG" dirty="0">
+              <a:solidFill>
+                <a:schemeClr val="bg1"/>
+              </a:solidFill>
+              <a:latin typeface="Agency FB" panose="020B0503020202020204" pitchFamily="34" charset="0"/>
+            </a:endParaRPr>
+          </a:p>
+          <a:p>
+            <a:pPr lvl="1">
+              <a:lnSpc>
+                <a:spcPct val="150000"/>
+              </a:lnSpc>
+            </a:pPr>
+            <a:r>
+              <a:rPr lang="bg-BG" dirty="0">
+                <a:solidFill>
+                  <a:schemeClr val="bg1"/>
+                </a:solidFill>
+                <a:latin typeface="Agency FB" panose="020B0503020202020204" pitchFamily="34" charset="0"/>
+              </a:rPr>
+              <a:t>с един профил се достъпват всички нужни функционалности</a:t>
+            </a:r>
+            <a:endParaRPr lang="en-US" dirty="0">
+              <a:solidFill>
+                <a:schemeClr val="bg1"/>
+              </a:solidFill>
+              <a:latin typeface="Agency FB" panose="020B0503020202020204" pitchFamily="34" charset="0"/>
+            </a:endParaRPr>
           </a:p>
           <a:p>
             <a:pPr>
@@ -4260,14 +4448,20 @@
               </a:lnSpc>
             </a:pPr>
             <a:r>
-              <a:rPr lang="en-US" sz="3200" dirty="0">
-                <a:solidFill>
-                  <a:schemeClr val="bg1"/>
-                </a:solidFill>
-                <a:latin typeface="Agency FB" panose="020B0503020202020204" pitchFamily="34" charset="0"/>
-              </a:rPr>
-              <a:t>Web application accessible through browsers, desktop and mobile</a:t>
-            </a:r>
+              <a:rPr lang="bg-BG" dirty="0">
+                <a:solidFill>
+                  <a:schemeClr val="bg1"/>
+                </a:solidFill>
+                <a:latin typeface="Agency FB" panose="020B0503020202020204" pitchFamily="34" charset="0"/>
+              </a:rPr>
+              <a:t>Уеб приложение, достъпно през браузър и десктоп и мобилна апликация</a:t>
+            </a:r>
+            <a:endParaRPr lang="en-US" dirty="0">
+              <a:solidFill>
+                <a:schemeClr val="bg1"/>
+              </a:solidFill>
+              <a:latin typeface="Agency FB" panose="020B0503020202020204" pitchFamily="34" charset="0"/>
+            </a:endParaRPr>
           </a:p>
           <a:p>
             <a:pPr>
@@ -4276,30 +4470,377 @@
               </a:lnSpc>
             </a:pPr>
             <a:r>
-              <a:rPr lang="en-US" sz="3200" dirty="0">
-                <a:solidFill>
-                  <a:schemeClr val="bg1"/>
-                </a:solidFill>
-                <a:latin typeface="Agency FB" panose="020B0503020202020204" pitchFamily="34" charset="0"/>
-              </a:rPr>
-              <a:t>Developing Footprint charts, statistical tools, AI assistants, chat organizations, calculators, news panel, economic data panel and more</a:t>
-            </a:r>
-          </a:p>
+              <a:rPr lang="bg-BG" dirty="0">
+                <a:solidFill>
+                  <a:schemeClr val="bg1"/>
+                </a:solidFill>
+                <a:latin typeface="Agency FB" panose="020B0503020202020204" pitchFamily="34" charset="0"/>
+              </a:rPr>
+              <a:t>Двупосочна </a:t>
+            </a:r>
+            <a:r>
+              <a:rPr lang="en-US" sz="3000" dirty="0">
+                <a:solidFill>
+                  <a:schemeClr val="bg1"/>
+                </a:solidFill>
+                <a:latin typeface="Agency FB" panose="020B0503020202020204" pitchFamily="34" charset="0"/>
+              </a:rPr>
+              <a:t>on-demand</a:t>
+            </a:r>
+            <a:r>
+              <a:rPr lang="bg-BG" dirty="0">
+                <a:solidFill>
+                  <a:schemeClr val="bg1"/>
+                </a:solidFill>
+                <a:latin typeface="Agency FB" panose="020B0503020202020204" pitchFamily="34" charset="0"/>
+              </a:rPr>
+              <a:t> комуникация между регулатори и платформата</a:t>
+            </a:r>
+            <a:endParaRPr lang="en-US" dirty="0">
+              <a:solidFill>
+                <a:schemeClr val="bg1"/>
+              </a:solidFill>
+              <a:latin typeface="Agency FB" panose="020B0503020202020204" pitchFamily="34" charset="0"/>
+            </a:endParaRPr>
+          </a:p>
+        </p:txBody>
+      </p:sp>
+      <p:sp>
+        <p:nvSpPr>
+          <p:cNvPr id="4" name="Content Placeholder 3">
+            <a:extLst>
+              <a:ext uri="{FF2B5EF4-FFF2-40B4-BE49-F238E27FC236}">
+                <a16:creationId xmlns:a16="http://schemas.microsoft.com/office/drawing/2014/main" id="{C4682225-3606-476D-674E-6164344851DD}"/>
+              </a:ext>
+            </a:extLst>
+          </p:cNvPr>
+          <p:cNvSpPr>
+            <a:spLocks noGrp="1"/>
+          </p:cNvSpPr>
+          <p:nvPr>
+            <p:ph sz="half" idx="2"/>
+          </p:nvPr>
+        </p:nvSpPr>
+        <p:spPr>
+          <a:xfrm>
+            <a:off x="6745857" y="1825625"/>
+            <a:ext cx="5167222" cy="4351338"/>
+          </a:xfrm>
+          <a:ln w="28575">
+            <a:solidFill>
+              <a:schemeClr val="bg1"/>
+            </a:solidFill>
+            <a:extLst>
+              <a:ext uri="{C807C97D-BFC1-408E-A445-0C87EB9F89A2}">
+                <ask:lineSketchStyleProps xmlns:ask="http://schemas.microsoft.com/office/drawing/2018/sketchyshapes" sd="981765707">
+                  <a:custGeom>
+                    <a:avLst/>
+                    <a:gdLst>
+                      <a:gd name="connsiteX0" fmla="*/ 0 w 5167222"/>
+                      <a:gd name="connsiteY0" fmla="*/ 0 h 4351338"/>
+                      <a:gd name="connsiteX1" fmla="*/ 5167222 w 5167222"/>
+                      <a:gd name="connsiteY1" fmla="*/ 0 h 4351338"/>
+                      <a:gd name="connsiteX2" fmla="*/ 5167222 w 5167222"/>
+                      <a:gd name="connsiteY2" fmla="*/ 4351338 h 4351338"/>
+                      <a:gd name="connsiteX3" fmla="*/ 0 w 5167222"/>
+                      <a:gd name="connsiteY3" fmla="*/ 4351338 h 4351338"/>
+                      <a:gd name="connsiteX4" fmla="*/ 0 w 5167222"/>
+                      <a:gd name="connsiteY4" fmla="*/ 0 h 4351338"/>
+                    </a:gdLst>
+                    <a:ahLst/>
+                    <a:cxnLst>
+                      <a:cxn ang="0">
+                        <a:pos x="connsiteX0" y="connsiteY0"/>
+                      </a:cxn>
+                      <a:cxn ang="0">
+                        <a:pos x="connsiteX1" y="connsiteY1"/>
+                      </a:cxn>
+                      <a:cxn ang="0">
+                        <a:pos x="connsiteX2" y="connsiteY2"/>
+                      </a:cxn>
+                      <a:cxn ang="0">
+                        <a:pos x="connsiteX3" y="connsiteY3"/>
+                      </a:cxn>
+                      <a:cxn ang="0">
+                        <a:pos x="connsiteX4" y="connsiteY4"/>
+                      </a:cxn>
+                    </a:cxnLst>
+                    <a:rect l="l" t="t" r="r" b="b"/>
+                    <a:pathLst>
+                      <a:path w="5167222" h="4351338" fill="none" extrusionOk="0">
+                        <a:moveTo>
+                          <a:pt x="0" y="0"/>
+                        </a:moveTo>
+                        <a:cubicBezTo>
+                          <a:pt x="2432991" y="-33775"/>
+                          <a:pt x="2954300" y="138873"/>
+                          <a:pt x="5167222" y="0"/>
+                        </a:cubicBezTo>
+                        <a:cubicBezTo>
+                          <a:pt x="5093451" y="585222"/>
+                          <a:pt x="5011339" y="3710241"/>
+                          <a:pt x="5167222" y="4351338"/>
+                        </a:cubicBezTo>
+                        <a:cubicBezTo>
+                          <a:pt x="3669191" y="4214008"/>
+                          <a:pt x="1603934" y="4213482"/>
+                          <a:pt x="0" y="4351338"/>
+                        </a:cubicBezTo>
+                        <a:cubicBezTo>
+                          <a:pt x="152408" y="2268068"/>
+                          <a:pt x="73868" y="1803478"/>
+                          <a:pt x="0" y="0"/>
+                        </a:cubicBezTo>
+                        <a:close/>
+                      </a:path>
+                      <a:path w="5167222" h="4351338" stroke="0" extrusionOk="0">
+                        <a:moveTo>
+                          <a:pt x="0" y="0"/>
+                        </a:moveTo>
+                        <a:cubicBezTo>
+                          <a:pt x="893585" y="-101487"/>
+                          <a:pt x="4421893" y="-162162"/>
+                          <a:pt x="5167222" y="0"/>
+                        </a:cubicBezTo>
+                        <a:cubicBezTo>
+                          <a:pt x="5227935" y="1739382"/>
+                          <a:pt x="5106150" y="3375976"/>
+                          <a:pt x="5167222" y="4351338"/>
+                        </a:cubicBezTo>
+                        <a:cubicBezTo>
+                          <a:pt x="3414962" y="4401403"/>
+                          <a:pt x="1880288" y="4192889"/>
+                          <a:pt x="0" y="4351338"/>
+                        </a:cubicBezTo>
+                        <a:cubicBezTo>
+                          <a:pt x="-24452" y="3602151"/>
+                          <a:pt x="-67663" y="2092173"/>
+                          <a:pt x="0" y="0"/>
+                        </a:cubicBezTo>
+                        <a:close/>
+                      </a:path>
+                    </a:pathLst>
+                  </a:custGeom>
+                  <ask:type>
+                    <ask:lineSketchNone/>
+                  </ask:type>
+                </ask:lineSketchStyleProps>
+              </a:ext>
+            </a:extLst>
+          </a:ln>
+          <a:effectLst>
+            <a:softEdge rad="12700"/>
+          </a:effectLst>
+        </p:spPr>
+        <p:txBody>
+          <a:bodyPr>
+            <a:normAutofit fontScale="85000" lnSpcReduction="10000"/>
+          </a:bodyPr>
+          <a:lstStyle/>
           <a:p>
             <a:pPr>
               <a:lnSpc>
-                <a:spcPct val="150000"/>
+                <a:spcPct val="140000"/>
               </a:lnSpc>
             </a:pPr>
             <a:r>
-              <a:rPr lang="en-US" sz="3200" dirty="0">
-                <a:solidFill>
-                  <a:schemeClr val="bg1"/>
-                </a:solidFill>
-                <a:latin typeface="Agency FB" panose="020B0503020202020204" pitchFamily="34" charset="0"/>
-              </a:rPr>
-              <a:t>Bilateral secured communication between the regulators and the platform through REST APIs</a:t>
-            </a:r>
+              <a:rPr lang="en-US" b="1" dirty="0">
+                <a:solidFill>
+                  <a:schemeClr val="bg1"/>
+                </a:solidFill>
+                <a:latin typeface="Agency FB" panose="020B0503020202020204" pitchFamily="34" charset="0"/>
+              </a:rPr>
+              <a:t>Footprint</a:t>
+            </a:r>
+            <a:r>
+              <a:rPr lang="en-US" dirty="0">
+                <a:solidFill>
+                  <a:schemeClr val="bg1"/>
+                </a:solidFill>
+                <a:latin typeface="Agency FB" panose="020B0503020202020204" pitchFamily="34" charset="0"/>
+              </a:rPr>
+              <a:t> </a:t>
+            </a:r>
+            <a:r>
+              <a:rPr lang="bg-BG" dirty="0">
+                <a:solidFill>
+                  <a:schemeClr val="bg1"/>
+                </a:solidFill>
+                <a:latin typeface="Agency FB" panose="020B0503020202020204" pitchFamily="34" charset="0"/>
+              </a:rPr>
+              <a:t>графики</a:t>
+            </a:r>
+          </a:p>
+          <a:p>
+            <a:pPr>
+              <a:lnSpc>
+                <a:spcPct val="140000"/>
+              </a:lnSpc>
+            </a:pPr>
+            <a:r>
+              <a:rPr lang="bg-BG" dirty="0">
+                <a:solidFill>
+                  <a:schemeClr val="bg1"/>
+                </a:solidFill>
+                <a:latin typeface="Agency FB" panose="020B0503020202020204" pitchFamily="34" charset="0"/>
+              </a:rPr>
+              <a:t>Статистически инструменти</a:t>
+            </a:r>
+            <a:r>
+              <a:rPr lang="en-US" dirty="0">
+                <a:solidFill>
+                  <a:schemeClr val="bg1"/>
+                </a:solidFill>
+                <a:latin typeface="Agency FB" panose="020B0503020202020204" pitchFamily="34" charset="0"/>
+              </a:rPr>
+              <a:t> </a:t>
+            </a:r>
+            <a:endParaRPr lang="bg-BG" dirty="0">
+              <a:solidFill>
+                <a:schemeClr val="bg1"/>
+              </a:solidFill>
+              <a:latin typeface="Agency FB" panose="020B0503020202020204" pitchFamily="34" charset="0"/>
+            </a:endParaRPr>
+          </a:p>
+          <a:p>
+            <a:pPr>
+              <a:lnSpc>
+                <a:spcPct val="140000"/>
+              </a:lnSpc>
+            </a:pPr>
+            <a:r>
+              <a:rPr lang="en-US" b="1" dirty="0">
+                <a:solidFill>
+                  <a:schemeClr val="bg1"/>
+                </a:solidFill>
+                <a:latin typeface="Agency FB" panose="020B0503020202020204" pitchFamily="34" charset="0"/>
+              </a:rPr>
+              <a:t>AI</a:t>
+            </a:r>
+            <a:r>
+              <a:rPr lang="bg-BG" dirty="0">
+                <a:solidFill>
+                  <a:schemeClr val="bg1"/>
+                </a:solidFill>
+                <a:latin typeface="Agency FB" panose="020B0503020202020204" pitchFamily="34" charset="0"/>
+              </a:rPr>
+              <a:t> асистент</a:t>
+            </a:r>
+          </a:p>
+          <a:p>
+            <a:pPr>
+              <a:lnSpc>
+                <a:spcPct val="140000"/>
+              </a:lnSpc>
+            </a:pPr>
+            <a:r>
+              <a:rPr lang="bg-BG" dirty="0">
+                <a:solidFill>
+                  <a:schemeClr val="bg1"/>
+                </a:solidFill>
+                <a:latin typeface="Agency FB" panose="020B0503020202020204" pitchFamily="34" charset="0"/>
+              </a:rPr>
+              <a:t>Чат организации</a:t>
+            </a:r>
+          </a:p>
+          <a:p>
+            <a:pPr>
+              <a:lnSpc>
+                <a:spcPct val="140000"/>
+              </a:lnSpc>
+            </a:pPr>
+            <a:r>
+              <a:rPr lang="bg-BG" dirty="0">
+                <a:solidFill>
+                  <a:schemeClr val="bg1"/>
+                </a:solidFill>
+                <a:latin typeface="Agency FB" panose="020B0503020202020204" pitchFamily="34" charset="0"/>
+              </a:rPr>
+              <a:t>Калкулатори (специфични формули)</a:t>
+            </a:r>
+          </a:p>
+          <a:p>
+            <a:pPr>
+              <a:lnSpc>
+                <a:spcPct val="140000"/>
+              </a:lnSpc>
+            </a:pPr>
+            <a:r>
+              <a:rPr lang="bg-BG" dirty="0">
+                <a:solidFill>
+                  <a:schemeClr val="bg1"/>
+                </a:solidFill>
+                <a:latin typeface="Agency FB" panose="020B0503020202020204" pitchFamily="34" charset="0"/>
+              </a:rPr>
+              <a:t>Панел за новини </a:t>
+            </a:r>
+          </a:p>
+          <a:p>
+            <a:pPr>
+              <a:lnSpc>
+                <a:spcPct val="140000"/>
+              </a:lnSpc>
+            </a:pPr>
+            <a:r>
+              <a:rPr lang="bg-BG" dirty="0">
+                <a:solidFill>
+                  <a:schemeClr val="bg1"/>
+                </a:solidFill>
+                <a:latin typeface="Agency FB" panose="020B0503020202020204" pitchFamily="34" charset="0"/>
+              </a:rPr>
+              <a:t>Панел за икономически данни</a:t>
+            </a:r>
+            <a:endParaRPr lang="en-US" dirty="0">
+              <a:solidFill>
+                <a:schemeClr val="bg1"/>
+              </a:solidFill>
+              <a:latin typeface="Agency FB" panose="020B0503020202020204" pitchFamily="34" charset="0"/>
+            </a:endParaRPr>
+          </a:p>
+        </p:txBody>
+      </p:sp>
+      <p:sp>
+        <p:nvSpPr>
+          <p:cNvPr id="5" name="TextBox 4">
+            <a:extLst>
+              <a:ext uri="{FF2B5EF4-FFF2-40B4-BE49-F238E27FC236}">
+                <a16:creationId xmlns:a16="http://schemas.microsoft.com/office/drawing/2014/main" id="{C7E81266-FEC0-2B1A-D6C2-B450E60D62BC}"/>
+              </a:ext>
+            </a:extLst>
+          </p:cNvPr>
+          <p:cNvSpPr txBox="1"/>
+          <p:nvPr/>
+        </p:nvSpPr>
+        <p:spPr>
+          <a:xfrm>
+            <a:off x="6788991" y="1293962"/>
+            <a:ext cx="4416724" cy="461665"/>
+          </a:xfrm>
+          <a:prstGeom prst="rect">
+            <a:avLst/>
+          </a:prstGeom>
+          <a:noFill/>
+        </p:spPr>
+        <p:txBody>
+          <a:bodyPr wrap="square" rtlCol="0">
+            <a:spAutoFit/>
+          </a:bodyPr>
+          <a:lstStyle/>
+          <a:p>
+            <a:r>
+              <a:rPr lang="bg-BG" sz="2400" b="1" dirty="0">
+                <a:solidFill>
+                  <a:schemeClr val="bg1"/>
+                </a:solidFill>
+              </a:rPr>
+              <a:t>Функционалности</a:t>
+            </a:r>
+            <a:endParaRPr lang="en-US" dirty="0">
+              <a:solidFill>
+                <a:schemeClr val="bg1"/>
+              </a:solidFill>
+              <a:latin typeface="Agency FB" panose="020B0503020202020204" pitchFamily="34" charset="0"/>
+            </a:endParaRPr>
           </a:p>
         </p:txBody>
       </p:sp>
@@ -4313,6 +4854,9 @@
   <p:clrMapOvr>
     <a:masterClrMapping/>
   </p:clrMapOvr>
+  <p:transition spd="slow">
+    <p:push dir="u"/>
+  </p:transition>
 </p:sld>
 </file>
 
@@ -4394,8 +4938,8 @@
         </p:nvSpPr>
         <p:spPr>
           <a:xfrm>
-            <a:off x="60960" y="0"/>
-            <a:ext cx="12070080" cy="6766560"/>
+            <a:off x="0" y="0"/>
+            <a:ext cx="12192000" cy="6858000"/>
           </a:xfrm>
           <a:prstGeom prst="rect">
             <a:avLst/>
@@ -4456,18 +5000,26 @@
         </p:nvSpPr>
         <p:spPr/>
         <p:txBody>
-          <a:bodyPr/>
-          <a:lstStyle/>
-          <a:p>
-            <a:r>
-              <a:rPr lang="en-US" b="1" spc="100" dirty="0">
-                <a:solidFill>
-                  <a:schemeClr val="bg1"/>
-                </a:solidFill>
-                <a:latin typeface="Agency FB" panose="020B0503020202020204" pitchFamily="34" charset="0"/>
-              </a:rPr>
-              <a:t>Current Development State</a:t>
-            </a:r>
+          <a:bodyPr>
+            <a:normAutofit/>
+          </a:bodyPr>
+          <a:lstStyle/>
+          <a:p>
+            <a:r>
+              <a:rPr lang="bg-BG" sz="4000" b="1" spc="100" dirty="0">
+                <a:solidFill>
+                  <a:schemeClr val="bg1"/>
+                </a:solidFill>
+                <a:latin typeface="Agency FB" panose="020B0503020202020204" pitchFamily="34" charset="0"/>
+              </a:rPr>
+              <a:t>Текущо състояние на разработката</a:t>
+            </a:r>
+            <a:endParaRPr lang="en-US" sz="4000" b="1" spc="100" dirty="0">
+              <a:solidFill>
+                <a:schemeClr val="bg1"/>
+              </a:solidFill>
+              <a:latin typeface="Agency FB" panose="020B0503020202020204" pitchFamily="34" charset="0"/>
+            </a:endParaRPr>
           </a:p>
         </p:txBody>
       </p:sp>
@@ -4489,13 +5041,13 @@
         </p:nvSpPr>
         <p:spPr>
           <a:xfrm>
-            <a:off x="838200" y="1825625"/>
-            <a:ext cx="11292840" cy="4351338"/>
+            <a:off x="687956" y="1759789"/>
+            <a:ext cx="10816087" cy="4502988"/>
           </a:xfrm>
         </p:spPr>
         <p:txBody>
           <a:bodyPr>
-            <a:normAutofit fontScale="77500" lnSpcReduction="20000"/>
+            <a:normAutofit fontScale="92500"/>
           </a:bodyPr>
           <a:lstStyle/>
           <a:p>
@@ -4505,23 +5057,29 @@
               </a:lnSpc>
             </a:pPr>
             <a:r>
-              <a:rPr lang="en-US" sz="3200" dirty="0">
-                <a:solidFill>
-                  <a:schemeClr val="bg1"/>
-                </a:solidFill>
-                <a:latin typeface="Agency FB" panose="020B0503020202020204" pitchFamily="34" charset="0"/>
-              </a:rPr>
-              <a:t>It is </a:t>
-            </a:r>
-            <a:r>
-              <a:rPr lang="en-US" sz="3200" b="1" dirty="0">
-                <a:solidFill>
-                  <a:schemeClr val="bg1"/>
-                </a:solidFill>
-                <a:latin typeface="Agency FB" panose="020B0503020202020204" pitchFamily="34" charset="0"/>
-              </a:rPr>
-              <a:t>Prototype version</a:t>
-            </a:r>
+              <a:rPr lang="bg-BG" sz="2400" b="1" dirty="0">
+                <a:solidFill>
+                  <a:schemeClr val="bg1"/>
+                </a:solidFill>
+                <a:latin typeface="Agency FB" panose="020B0503020202020204" pitchFamily="34" charset="0"/>
+              </a:rPr>
+              <a:t>Прототипна</a:t>
+            </a:r>
+            <a:r>
+              <a:rPr lang="bg-BG" sz="2400" dirty="0">
+                <a:solidFill>
+                  <a:schemeClr val="bg1"/>
+                </a:solidFill>
+                <a:latin typeface="Agency FB" panose="020B0503020202020204" pitchFamily="34" charset="0"/>
+              </a:rPr>
+              <a:t> версия</a:t>
+            </a:r>
+            <a:endParaRPr lang="en-US" sz="2400" b="1" dirty="0">
+              <a:solidFill>
+                <a:schemeClr val="bg1"/>
+              </a:solidFill>
+              <a:latin typeface="Agency FB" panose="020B0503020202020204" pitchFamily="34" charset="0"/>
+            </a:endParaRPr>
           </a:p>
           <a:p>
             <a:pPr>
@@ -4530,14 +5088,20 @@
               </a:lnSpc>
             </a:pPr>
             <a:r>
-              <a:rPr lang="en-US" sz="3200" b="1" dirty="0">
-                <a:solidFill>
-                  <a:schemeClr val="bg1"/>
-                </a:solidFill>
-                <a:latin typeface="Agency FB" panose="020B0503020202020204" pitchFamily="34" charset="0"/>
-              </a:rPr>
-              <a:t>Monolithic, three-layered architecture</a:t>
-            </a:r>
+              <a:rPr lang="bg-BG" sz="2400" b="1" dirty="0">
+                <a:solidFill>
+                  <a:schemeClr val="bg1"/>
+                </a:solidFill>
+                <a:latin typeface="Agency FB" panose="020B0503020202020204" pitchFamily="34" charset="0"/>
+              </a:rPr>
+              <a:t>Монолитна, трислойна архитектура</a:t>
+            </a:r>
+            <a:endParaRPr lang="en-US" sz="2400" b="1" dirty="0">
+              <a:solidFill>
+                <a:schemeClr val="bg1"/>
+              </a:solidFill>
+              <a:latin typeface="Agency FB" panose="020B0503020202020204" pitchFamily="34" charset="0"/>
+            </a:endParaRPr>
           </a:p>
           <a:p>
             <a:pPr>
@@ -4546,16 +5110,34 @@
               </a:lnSpc>
             </a:pPr>
             <a:r>
-              <a:rPr lang="en-US" sz="3200" dirty="0">
-                <a:solidFill>
-                  <a:schemeClr val="bg1"/>
-                </a:solidFill>
-                <a:latin typeface="Agency FB" panose="020B0503020202020204" pitchFamily="34" charset="0"/>
-              </a:rPr>
-              <a:t>Backend is a </a:t>
-            </a:r>
-            <a:r>
-              <a:rPr lang="en-US" sz="3200" b="1" dirty="0">
+              <a:rPr lang="en-US" sz="2600" dirty="0">
+                <a:solidFill>
+                  <a:schemeClr val="bg1"/>
+                </a:solidFill>
+                <a:latin typeface="Agency FB" panose="020B0503020202020204" pitchFamily="34" charset="0"/>
+              </a:rPr>
+              <a:t>Backend</a:t>
+            </a:r>
+            <a:r>
+              <a:rPr lang="en-US" sz="2400" dirty="0">
+                <a:solidFill>
+                  <a:schemeClr val="bg1"/>
+                </a:solidFill>
+                <a:latin typeface="Agency FB" panose="020B0503020202020204" pitchFamily="34" charset="0"/>
+              </a:rPr>
+              <a:t> </a:t>
+            </a:r>
+            <a:r>
+              <a:rPr lang="bg-BG" sz="2400" dirty="0">
+                <a:solidFill>
+                  <a:schemeClr val="bg1"/>
+                </a:solidFill>
+                <a:latin typeface="Agency FB" panose="020B0503020202020204" pitchFamily="34" charset="0"/>
+              </a:rPr>
+              <a:t>е </a:t>
+            </a:r>
+            <a:r>
+              <a:rPr lang="en-US" sz="2400" b="1" dirty="0">
                 <a:solidFill>
                   <a:schemeClr val="bg1"/>
                 </a:solidFill>
@@ -4564,23 +5146,56 @@
               <a:t>Web API</a:t>
             </a:r>
             <a:r>
-              <a:rPr lang="en-US" sz="3200" dirty="0">
-                <a:solidFill>
-                  <a:schemeClr val="bg1"/>
-                </a:solidFill>
-                <a:latin typeface="Agency FB" panose="020B0503020202020204" pitchFamily="34" charset="0"/>
-              </a:rPr>
-              <a:t>, Frontend is a </a:t>
-            </a:r>
-            <a:r>
-              <a:rPr lang="en-US" sz="3200" b="1" dirty="0">
-                <a:solidFill>
-                  <a:schemeClr val="bg1"/>
-                </a:solidFill>
-                <a:latin typeface="Agency FB" panose="020B0503020202020204" pitchFamily="34" charset="0"/>
-              </a:rPr>
-              <a:t>Single-page application</a:t>
-            </a:r>
+              <a:rPr lang="en-US" sz="2400" dirty="0">
+                <a:solidFill>
+                  <a:schemeClr val="bg1"/>
+                </a:solidFill>
+                <a:latin typeface="Agency FB" panose="020B0503020202020204" pitchFamily="34" charset="0"/>
+              </a:rPr>
+              <a:t>, </a:t>
+            </a:r>
+            <a:r>
+              <a:rPr lang="en-US" sz="2600" dirty="0">
+                <a:solidFill>
+                  <a:schemeClr val="bg1"/>
+                </a:solidFill>
+                <a:latin typeface="Agency FB" panose="020B0503020202020204" pitchFamily="34" charset="0"/>
+              </a:rPr>
+              <a:t>Frontend</a:t>
+            </a:r>
+            <a:r>
+              <a:rPr lang="en-US" sz="2400" dirty="0">
+                <a:solidFill>
+                  <a:schemeClr val="bg1"/>
+                </a:solidFill>
+                <a:latin typeface="Agency FB" panose="020B0503020202020204" pitchFamily="34" charset="0"/>
+              </a:rPr>
+              <a:t> </a:t>
+            </a:r>
+            <a:r>
+              <a:rPr lang="bg-BG" sz="2400" dirty="0">
+                <a:solidFill>
+                  <a:schemeClr val="bg1"/>
+                </a:solidFill>
+                <a:latin typeface="Agency FB" panose="020B0503020202020204" pitchFamily="34" charset="0"/>
+              </a:rPr>
+              <a:t>е </a:t>
+            </a:r>
+            <a:r>
+              <a:rPr lang="bg-BG" sz="2400" b="1" dirty="0">
+                <a:solidFill>
+                  <a:schemeClr val="bg1"/>
+                </a:solidFill>
+                <a:latin typeface="Agency FB" panose="020B0503020202020204" pitchFamily="34" charset="0"/>
+              </a:rPr>
+              <a:t>едностранично приложение</a:t>
+            </a:r>
+            <a:endParaRPr lang="en-US" sz="2400" b="1" dirty="0">
+              <a:solidFill>
+                <a:schemeClr val="bg1"/>
+              </a:solidFill>
+              <a:latin typeface="Agency FB" panose="020B0503020202020204" pitchFamily="34" charset="0"/>
+            </a:endParaRPr>
           </a:p>
           <a:p>
             <a:pPr>
@@ -4589,23 +5204,20 @@
               </a:lnSpc>
             </a:pPr>
             <a:r>
-              <a:rPr lang="en-US" sz="3200" dirty="0">
-                <a:solidFill>
-                  <a:schemeClr val="bg1"/>
-                </a:solidFill>
-                <a:latin typeface="Agency FB" panose="020B0503020202020204" pitchFamily="34" charset="0"/>
-              </a:rPr>
-              <a:t>Basic </a:t>
-            </a:r>
-            <a:r>
-              <a:rPr lang="en-US" sz="3200" b="1" dirty="0">
-                <a:solidFill>
-                  <a:schemeClr val="bg1"/>
-                </a:solidFill>
-                <a:latin typeface="Agency FB" panose="020B0503020202020204" pitchFamily="34" charset="0"/>
-              </a:rPr>
-              <a:t>charts, news panel, economic data panel, profile management and chat rooms</a:t>
-            </a:r>
+              <a:rPr lang="bg-BG" sz="2400" dirty="0">
+                <a:solidFill>
+                  <a:schemeClr val="bg1"/>
+                </a:solidFill>
+                <a:latin typeface="Agency FB" panose="020B0503020202020204" pitchFamily="34" charset="0"/>
+              </a:rPr>
+              <a:t>Базови графики, панели за новини и икономически данни, акаунт мениджмънт, чат стаи</a:t>
+            </a:r>
+            <a:endParaRPr lang="en-US" sz="2400" b="1" dirty="0">
+              <a:solidFill>
+                <a:schemeClr val="bg1"/>
+              </a:solidFill>
+              <a:latin typeface="Agency FB" panose="020B0503020202020204" pitchFamily="34" charset="0"/>
+            </a:endParaRPr>
           </a:p>
           <a:p>
             <a:pPr>
@@ -4614,14 +5226,29 @@
               </a:lnSpc>
             </a:pPr>
             <a:r>
-              <a:rPr lang="en-US" sz="3200" b="1" dirty="0">
-                <a:solidFill>
-                  <a:schemeClr val="bg1"/>
-                </a:solidFill>
-                <a:latin typeface="Agency FB" panose="020B0503020202020204" pitchFamily="34" charset="0"/>
-              </a:rPr>
-              <a:t>JWT token authentication</a:t>
-            </a:r>
+              <a:rPr lang="en-US" sz="2400" b="1" dirty="0">
+                <a:solidFill>
+                  <a:schemeClr val="bg1"/>
+                </a:solidFill>
+                <a:latin typeface="Agency FB" panose="020B0503020202020204" pitchFamily="34" charset="0"/>
+              </a:rPr>
+              <a:t>JWT token </a:t>
+            </a:r>
+            <a:r>
+              <a:rPr lang="bg-BG" sz="2400" b="1" dirty="0">
+                <a:solidFill>
+                  <a:schemeClr val="bg1"/>
+                </a:solidFill>
+                <a:latin typeface="Agency FB" panose="020B0503020202020204" pitchFamily="34" charset="0"/>
+              </a:rPr>
+              <a:t>автентикация</a:t>
+            </a:r>
+            <a:endParaRPr lang="en-US" sz="2400" b="1" dirty="0">
+              <a:solidFill>
+                <a:schemeClr val="bg1"/>
+              </a:solidFill>
+              <a:latin typeface="Agency FB" panose="020B0503020202020204" pitchFamily="34" charset="0"/>
+            </a:endParaRPr>
           </a:p>
           <a:p>
             <a:pPr>
@@ -4630,13 +5257,58 @@
               </a:lnSpc>
             </a:pPr>
             <a:r>
-              <a:rPr lang="en-US" sz="3200" dirty="0">
-                <a:solidFill>
-                  <a:schemeClr val="bg1"/>
-                </a:solidFill>
-                <a:latin typeface="Agency FB" panose="020B0503020202020204" pitchFamily="34" charset="0"/>
-              </a:rPr>
-              <a:t>Advanced password hashing algorithm, XSS, XSRF, SQL injection, parameter tampering </a:t>
+              <a:rPr lang="bg-BG" sz="2400" dirty="0">
+                <a:solidFill>
+                  <a:schemeClr val="bg1"/>
+                </a:solidFill>
+                <a:latin typeface="Agency FB" panose="020B0503020202020204" pitchFamily="34" charset="0"/>
+              </a:rPr>
+              <a:t>Сложни</a:t>
+            </a:r>
+            <a:r>
+              <a:rPr lang="en-US" sz="2400" dirty="0">
+                <a:solidFill>
+                  <a:schemeClr val="bg1"/>
+                </a:solidFill>
+                <a:latin typeface="Agency FB" panose="020B0503020202020204" pitchFamily="34" charset="0"/>
+              </a:rPr>
+              <a:t> </a:t>
+            </a:r>
+            <a:r>
+              <a:rPr lang="bg-BG" sz="2400" dirty="0">
+                <a:solidFill>
+                  <a:schemeClr val="bg1"/>
+                </a:solidFill>
+                <a:latin typeface="Agency FB" panose="020B0503020202020204" pitchFamily="34" charset="0"/>
+              </a:rPr>
+              <a:t>алгоритми за </a:t>
+            </a:r>
+            <a:r>
+              <a:rPr lang="bg-BG" sz="2400" b="1" dirty="0">
+                <a:solidFill>
+                  <a:schemeClr val="bg1"/>
+                </a:solidFill>
+                <a:latin typeface="Agency FB" panose="020B0503020202020204" pitchFamily="34" charset="0"/>
+              </a:rPr>
+              <a:t>хеширане</a:t>
+            </a:r>
+            <a:r>
+              <a:rPr lang="en-US" sz="2400" b="1" dirty="0">
+                <a:solidFill>
+                  <a:schemeClr val="bg1"/>
+                </a:solidFill>
+                <a:latin typeface="Agency FB" panose="020B0503020202020204" pitchFamily="34" charset="0"/>
+              </a:rPr>
+              <a:t>, XSS, XSRF, SQL injection, parameter tampering</a:t>
+            </a:r>
+            <a:r>
+              <a:rPr lang="en-US" sz="2400" dirty="0">
+                <a:solidFill>
+                  <a:schemeClr val="bg1"/>
+                </a:solidFill>
+                <a:latin typeface="Agency FB" panose="020B0503020202020204" pitchFamily="34" charset="0"/>
+              </a:rPr>
+              <a:t> </a:t>
             </a:r>
           </a:p>
           <a:p>
@@ -4646,32 +5318,24 @@
               </a:lnSpc>
             </a:pPr>
             <a:r>
-              <a:rPr lang="en-US" sz="3200" b="1" dirty="0">
-                <a:solidFill>
-                  <a:schemeClr val="bg1"/>
-                </a:solidFill>
-                <a:latin typeface="Agency FB" panose="020B0503020202020204" pitchFamily="34" charset="0"/>
-              </a:rPr>
-              <a:t>Web browser </a:t>
-            </a:r>
-            <a:r>
-              <a:rPr lang="en-US" sz="3200" dirty="0">
-                <a:solidFill>
-                  <a:schemeClr val="bg1"/>
-                </a:solidFill>
-                <a:latin typeface="Agency FB" panose="020B0503020202020204" pitchFamily="34" charset="0"/>
-              </a:rPr>
-              <a:t>access only</a:t>
-            </a:r>
-            <a:endParaRPr lang="en-US" sz="3200" b="1" dirty="0">
-              <a:solidFill>
-                <a:schemeClr val="bg1"/>
-              </a:solidFill>
-              <a:latin typeface="Agency FB" panose="020B0503020202020204" pitchFamily="34" charset="0"/>
-            </a:endParaRPr>
-          </a:p>
-          <a:p>
-            <a:endParaRPr lang="en-US" dirty="0">
+              <a:rPr lang="bg-BG" sz="2400" dirty="0">
+                <a:solidFill>
+                  <a:schemeClr val="bg1"/>
+                </a:solidFill>
+                <a:latin typeface="Agency FB" panose="020B0503020202020204" pitchFamily="34" charset="0"/>
+              </a:rPr>
+              <a:t>Достъп само чрез </a:t>
+            </a:r>
+            <a:r>
+              <a:rPr lang="en-US" sz="2400" b="1" dirty="0">
+                <a:solidFill>
+                  <a:schemeClr val="bg1"/>
+                </a:solidFill>
+                <a:latin typeface="Agency FB" panose="020B0503020202020204" pitchFamily="34" charset="0"/>
+              </a:rPr>
+              <a:t>Web browser</a:t>
+            </a:r>
+            <a:endParaRPr lang="en-US" sz="2400" dirty="0">
               <a:solidFill>
                 <a:schemeClr val="bg1"/>
               </a:solidFill>
@@ -4690,6 +5354,9 @@
   <p:clrMapOvr>
     <a:masterClrMapping/>
   </p:clrMapOvr>
+  <p:transition spd="slow">
+    <p:push dir="u"/>
+  </p:transition>
 </p:sld>
 </file>
 
@@ -4771,8 +5438,8 @@
         </p:nvSpPr>
         <p:spPr>
           <a:xfrm>
-            <a:off x="60960" y="45720"/>
-            <a:ext cx="12070080" cy="6766560"/>
+            <a:off x="0" y="0"/>
+            <a:ext cx="12192000" cy="6858000"/>
           </a:xfrm>
           <a:prstGeom prst="rect">
             <a:avLst/>
@@ -4833,18 +5500,26 @@
         </p:nvSpPr>
         <p:spPr/>
         <p:txBody>
-          <a:bodyPr/>
-          <a:lstStyle/>
-          <a:p>
-            <a:r>
-              <a:rPr lang="en-US" b="1" dirty="0">
-                <a:solidFill>
-                  <a:schemeClr val="bg1"/>
-                </a:solidFill>
-                <a:latin typeface="Agency FB" panose="020B0503020202020204" pitchFamily="34" charset="0"/>
-              </a:rPr>
-              <a:t>System Design Diagram – Current Development State </a:t>
-            </a:r>
+          <a:bodyPr>
+            <a:normAutofit/>
+          </a:bodyPr>
+          <a:lstStyle/>
+          <a:p>
+            <a:r>
+              <a:rPr lang="bg-BG" sz="4000" b="1" dirty="0">
+                <a:solidFill>
+                  <a:schemeClr val="bg1"/>
+                </a:solidFill>
+                <a:latin typeface="Agency FB" panose="020B0503020202020204" pitchFamily="34" charset="0"/>
+              </a:rPr>
+              <a:t>Диаграма на текущия системен дизайн</a:t>
+            </a:r>
+            <a:endParaRPr lang="en-US" sz="4000" b="1" dirty="0">
+              <a:solidFill>
+                <a:schemeClr val="bg1"/>
+              </a:solidFill>
+              <a:latin typeface="Agency FB" panose="020B0503020202020204" pitchFamily="34" charset="0"/>
+            </a:endParaRPr>
           </a:p>
         </p:txBody>
       </p:sp>
@@ -4875,13 +5550,37 @@
           <a:lstStyle/>
           <a:p>
             <a:r>
-              <a:rPr lang="en-US" sz="2800" b="1" dirty="0">
-                <a:solidFill>
-                  <a:schemeClr val="bg1"/>
-                </a:solidFill>
-                <a:latin typeface="Agency FB" panose="020B0503020202020204" pitchFamily="34" charset="0"/>
-              </a:rPr>
-              <a:t>Monolithic</a:t>
+              <a:rPr lang="bg-BG" sz="2800" b="1" dirty="0">
+                <a:solidFill>
+                  <a:schemeClr val="bg1"/>
+                </a:solidFill>
+                <a:latin typeface="Agency FB" panose="020B0503020202020204" pitchFamily="34" charset="0"/>
+              </a:rPr>
+              <a:t>Монолитна </a:t>
+            </a:r>
+            <a:r>
+              <a:rPr lang="bg-BG" sz="2800" dirty="0">
+                <a:solidFill>
+                  <a:schemeClr val="bg1"/>
+                </a:solidFill>
+                <a:latin typeface="Agency FB" panose="020B0503020202020204" pitchFamily="34" charset="0"/>
+              </a:rPr>
+              <a:t>архитектура</a:t>
+            </a:r>
+            <a:endParaRPr lang="en-US" dirty="0">
+              <a:solidFill>
+                <a:schemeClr val="bg1"/>
+              </a:solidFill>
+            </a:endParaRPr>
+          </a:p>
+          <a:p>
+            <a:r>
+              <a:rPr lang="bg-BG" b="1" dirty="0">
+                <a:solidFill>
+                  <a:schemeClr val="bg1"/>
+                </a:solidFill>
+              </a:rPr>
+              <a:t>Един</a:t>
             </a:r>
             <a:r>
               <a:rPr lang="en-US" dirty="0">
@@ -4889,17 +5588,30 @@
                   <a:schemeClr val="bg1"/>
                 </a:solidFill>
               </a:rPr>
-              <a:t> architecture</a:t>
-            </a:r>
-          </a:p>
-          <a:p>
-            <a:r>
-              <a:rPr lang="en-US" b="1" dirty="0">
-                <a:solidFill>
-                  <a:schemeClr val="bg1"/>
-                </a:solidFill>
-              </a:rPr>
-              <a:t>Single</a:t>
+              <a:t> </a:t>
+            </a:r>
+            <a:r>
+              <a:rPr lang="bg-BG" dirty="0">
+                <a:solidFill>
+                  <a:schemeClr val="bg1"/>
+                </a:solidFill>
+              </a:rPr>
+              <a:t>уеб сървър</a:t>
+            </a:r>
+            <a:endParaRPr lang="en-US" dirty="0">
+              <a:solidFill>
+                <a:schemeClr val="bg1"/>
+              </a:solidFill>
+            </a:endParaRPr>
+          </a:p>
+          <a:p>
+            <a:r>
+              <a:rPr lang="bg-BG" b="1" dirty="0">
+                <a:solidFill>
+                  <a:schemeClr val="bg1"/>
+                </a:solidFill>
+              </a:rPr>
+              <a:t>Една</a:t>
             </a:r>
             <a:r>
               <a:rPr lang="en-US" dirty="0">
@@ -4907,17 +5619,15 @@
                   <a:schemeClr val="bg1"/>
                 </a:solidFill>
               </a:rPr>
-              <a:t> web server</a:t>
-            </a:r>
-          </a:p>
-          <a:p>
-            <a:r>
-              <a:rPr lang="en-US" b="1" dirty="0">
-                <a:solidFill>
-                  <a:schemeClr val="bg1"/>
-                </a:solidFill>
-              </a:rPr>
-              <a:t>Single</a:t>
+              <a:t> </a:t>
+            </a:r>
+            <a:r>
+              <a:rPr lang="bg-BG" dirty="0">
+                <a:solidFill>
+                  <a:schemeClr val="bg1"/>
+                </a:solidFill>
+              </a:rPr>
+              <a:t>база данни</a:t>
             </a:r>
             <a:r>
               <a:rPr lang="en-US" dirty="0">
@@ -4925,8 +5635,21 @@
                   <a:schemeClr val="bg1"/>
                 </a:solidFill>
               </a:rPr>
-              <a:t> database – relational database</a:t>
-            </a:r>
+              <a:t> – </a:t>
+            </a:r>
+            <a:r>
+              <a:rPr lang="bg-BG" dirty="0">
+                <a:solidFill>
+                  <a:schemeClr val="bg1"/>
+                </a:solidFill>
+              </a:rPr>
+              <a:t>релационна</a:t>
+            </a:r>
+            <a:endParaRPr lang="en-US" dirty="0">
+              <a:solidFill>
+                <a:schemeClr val="bg1"/>
+              </a:solidFill>
+            </a:endParaRPr>
           </a:p>
         </p:txBody>
       </p:sp>
@@ -4952,7 +5675,7 @@
         </p:blipFill>
         <p:spPr>
           <a:xfrm>
-            <a:off x="1587259" y="3429000"/>
+            <a:off x="1656267" y="3429000"/>
             <a:ext cx="8801914" cy="3036257"/>
           </a:xfrm>
           <a:prstGeom prst="roundRect">
@@ -4975,6 +5698,9 @@
   <p:clrMapOvr>
     <a:masterClrMapping/>
   </p:clrMapOvr>
+  <p:transition spd="slow">
+    <p:push dir="u"/>
+  </p:transition>
 </p:sld>
 </file>
 
@@ -5056,8 +5782,8 @@
         </p:nvSpPr>
         <p:spPr>
           <a:xfrm>
-            <a:off x="60960" y="0"/>
-            <a:ext cx="12070080" cy="6766560"/>
+            <a:off x="0" y="-1"/>
+            <a:ext cx="12192000" cy="6927011"/>
           </a:xfrm>
           <a:prstGeom prst="rect">
             <a:avLst/>
@@ -5118,19 +5844,21 @@
         </p:nvSpPr>
         <p:spPr/>
         <p:txBody>
-          <a:bodyPr/>
-          <a:lstStyle/>
-          <a:p>
-            <a:r>
-              <a:rPr lang="en-US" b="1" dirty="0">
-                <a:solidFill>
-                  <a:schemeClr val="bg1"/>
-                </a:solidFill>
-                <a:latin typeface="Agency FB" panose="020B0503020202020204" pitchFamily="34" charset="0"/>
-              </a:rPr>
-              <a:t>System Design Diagram – Current Development State </a:t>
-            </a:r>
-            <a:endParaRPr lang="en-US" dirty="0"/>
+          <a:bodyPr>
+            <a:normAutofit/>
+          </a:bodyPr>
+          <a:lstStyle/>
+          <a:p>
+            <a:r>
+              <a:rPr lang="bg-BG" sz="4000" b="1" dirty="0">
+                <a:solidFill>
+                  <a:schemeClr val="bg1"/>
+                </a:solidFill>
+                <a:latin typeface="Agency FB" panose="020B0503020202020204" pitchFamily="34" charset="0"/>
+              </a:rPr>
+              <a:t>Диаграма на текущия системен дизайн</a:t>
+            </a:r>
+            <a:endParaRPr lang="en-US" sz="4000" dirty="0"/>
           </a:p>
         </p:txBody>
       </p:sp>
@@ -5169,7 +5897,25 @@
                 </a:solidFill>
                 <a:latin typeface="Agency FB" panose="020B0503020202020204" pitchFamily="34" charset="0"/>
               </a:rPr>
-              <a:t>Frontend application – </a:t>
+              <a:t>Frontend </a:t>
+            </a:r>
+            <a:r>
+              <a:rPr lang="bg-BG" sz="2400" dirty="0">
+                <a:solidFill>
+                  <a:schemeClr val="bg1"/>
+                </a:solidFill>
+                <a:latin typeface="Agency FB" panose="020B0503020202020204" pitchFamily="34" charset="0"/>
+              </a:rPr>
+              <a:t>приложение</a:t>
+            </a:r>
+            <a:r>
+              <a:rPr lang="en-US" sz="2400" dirty="0">
+                <a:solidFill>
+                  <a:schemeClr val="bg1"/>
+                </a:solidFill>
+                <a:latin typeface="Agency FB" panose="020B0503020202020204" pitchFamily="34" charset="0"/>
+              </a:rPr>
+              <a:t> – </a:t>
             </a:r>
             <a:r>
               <a:rPr lang="en-US" sz="2400" b="1" dirty="0">
@@ -5187,8 +5933,23 @@
                 </a:solidFill>
                 <a:latin typeface="Agency FB" panose="020B0503020202020204" pitchFamily="34" charset="0"/>
               </a:rPr>
-              <a:t> – React components</a:t>
-            </a:r>
+              <a:t> – React </a:t>
+            </a:r>
+            <a:r>
+              <a:rPr lang="bg-BG" sz="2400" dirty="0">
+                <a:solidFill>
+                  <a:schemeClr val="bg1"/>
+                </a:solidFill>
+                <a:latin typeface="Agency FB" panose="020B0503020202020204" pitchFamily="34" charset="0"/>
+              </a:rPr>
+              <a:t>компоненти</a:t>
+            </a:r>
+            <a:endParaRPr lang="en-US" sz="2400" dirty="0">
+              <a:solidFill>
+                <a:schemeClr val="bg1"/>
+              </a:solidFill>
+              <a:latin typeface="Agency FB" panose="020B0503020202020204" pitchFamily="34" charset="0"/>
+            </a:endParaRPr>
           </a:p>
           <a:p>
             <a:r>
@@ -5198,7 +5959,25 @@
                 </a:solidFill>
                 <a:latin typeface="Agency FB" panose="020B0503020202020204" pitchFamily="34" charset="0"/>
               </a:rPr>
-              <a:t>Backend application – </a:t>
+              <a:t>Backend </a:t>
+            </a:r>
+            <a:r>
+              <a:rPr lang="bg-BG" sz="2400" dirty="0">
+                <a:solidFill>
+                  <a:schemeClr val="bg1"/>
+                </a:solidFill>
+                <a:latin typeface="Agency FB" panose="020B0503020202020204" pitchFamily="34" charset="0"/>
+              </a:rPr>
+              <a:t>приложение</a:t>
+            </a:r>
+            <a:r>
+              <a:rPr lang="en-US" sz="2400" dirty="0">
+                <a:solidFill>
+                  <a:schemeClr val="bg1"/>
+                </a:solidFill>
+                <a:latin typeface="Agency FB" panose="020B0503020202020204" pitchFamily="34" charset="0"/>
+              </a:rPr>
+              <a:t> – </a:t>
             </a:r>
             <a:r>
               <a:rPr lang="en-US" sz="2400" b="1" dirty="0">
@@ -5212,13 +5991,22 @@
           </a:p>
           <a:p>
             <a:r>
+              <a:rPr lang="bg-BG" sz="2400" dirty="0">
+                <a:solidFill>
+                  <a:schemeClr val="bg1"/>
+                </a:solidFill>
+                <a:latin typeface="Agency FB" panose="020B0503020202020204" pitchFamily="34" charset="0"/>
+              </a:rPr>
+              <a:t>Комуникация</a:t>
+            </a:r>
+            <a:r>
               <a:rPr lang="en-US" sz="2400" dirty="0">
                 <a:solidFill>
                   <a:schemeClr val="bg1"/>
                 </a:solidFill>
                 <a:latin typeface="Agency FB" panose="020B0503020202020204" pitchFamily="34" charset="0"/>
               </a:rPr>
-              <a:t>Communication – </a:t>
+              <a:t> – </a:t>
             </a:r>
             <a:r>
               <a:rPr lang="en-US" sz="2400" b="1" dirty="0">
@@ -5227,7 +6015,25 @@
                 </a:solidFill>
                 <a:latin typeface="Agency FB" panose="020B0503020202020204" pitchFamily="34" charset="0"/>
               </a:rPr>
-              <a:t>HTTP or Websocket protocol</a:t>
+              <a:t>HTTP </a:t>
+            </a:r>
+            <a:r>
+              <a:rPr lang="bg-BG" sz="2400" dirty="0">
+                <a:solidFill>
+                  <a:schemeClr val="bg1"/>
+                </a:solidFill>
+                <a:latin typeface="Agency FB" panose="020B0503020202020204" pitchFamily="34" charset="0"/>
+              </a:rPr>
+              <a:t>или</a:t>
+            </a:r>
+            <a:r>
+              <a:rPr lang="en-US" sz="2400" b="1" dirty="0">
+                <a:solidFill>
+                  <a:schemeClr val="bg1"/>
+                </a:solidFill>
+                <a:latin typeface="Agency FB" panose="020B0503020202020204" pitchFamily="34" charset="0"/>
+              </a:rPr>
+              <a:t> Websocket protocol</a:t>
             </a:r>
           </a:p>
         </p:txBody>
@@ -5254,7 +6060,7 @@
         </p:blipFill>
         <p:spPr>
           <a:xfrm>
-            <a:off x="1250829" y="3640545"/>
+            <a:off x="1250829" y="3450766"/>
             <a:ext cx="8888083" cy="3102044"/>
           </a:xfrm>
           <a:prstGeom prst="roundRect">
@@ -5274,6 +6080,9 @@
   <p:clrMapOvr>
     <a:masterClrMapping/>
   </p:clrMapOvr>
+  <p:transition spd="slow">
+    <p:push dir="u"/>
+  </p:transition>
 </p:sld>
 </file>
 
@@ -5355,8 +6164,8 @@
         </p:nvSpPr>
         <p:spPr>
           <a:xfrm>
-            <a:off x="60960" y="0"/>
-            <a:ext cx="12070080" cy="6766560"/>
+            <a:off x="0" y="-1"/>
+            <a:ext cx="12192000" cy="6858000"/>
           </a:xfrm>
           <a:prstGeom prst="rect">
             <a:avLst/>
@@ -5417,19 +6226,21 @@
         </p:nvSpPr>
         <p:spPr/>
         <p:txBody>
-          <a:bodyPr/>
-          <a:lstStyle/>
-          <a:p>
-            <a:r>
-              <a:rPr lang="en-US" sz="4400" b="1" spc="100" dirty="0">
-                <a:solidFill>
-                  <a:schemeClr val="bg1"/>
-                </a:solidFill>
-                <a:latin typeface="Agency FB" panose="020B0503020202020204" pitchFamily="34" charset="0"/>
-              </a:rPr>
-              <a:t>The Future of The Platform</a:t>
-            </a:r>
-            <a:endParaRPr lang="en-US" b="1" spc="100" dirty="0">
+          <a:bodyPr>
+            <a:normAutofit/>
+          </a:bodyPr>
+          <a:lstStyle/>
+          <a:p>
+            <a:r>
+              <a:rPr lang="bg-BG" sz="4000" b="1" spc="100" dirty="0">
+                <a:solidFill>
+                  <a:schemeClr val="bg1"/>
+                </a:solidFill>
+                <a:latin typeface="Agency FB" panose="020B0503020202020204" pitchFamily="34" charset="0"/>
+              </a:rPr>
+              <a:t>Бъдещето на платформата</a:t>
+            </a:r>
+            <a:endParaRPr lang="en-US" sz="4000" b="1" spc="100" dirty="0">
               <a:solidFill>
                 <a:schemeClr val="bg1"/>
               </a:solidFill>
@@ -5455,13 +6266,13 @@
         </p:nvSpPr>
         <p:spPr>
           <a:xfrm>
-            <a:off x="838200" y="1825624"/>
-            <a:ext cx="10721196" cy="4445779"/>
+            <a:off x="838200" y="1690688"/>
+            <a:ext cx="10721196" cy="4718738"/>
           </a:xfrm>
         </p:spPr>
         <p:txBody>
           <a:bodyPr>
-            <a:normAutofit fontScale="92500"/>
+            <a:normAutofit fontScale="92500" lnSpcReduction="10000"/>
           </a:bodyPr>
           <a:lstStyle/>
           <a:p>
@@ -5471,23 +6282,29 @@
               </a:lnSpc>
             </a:pPr>
             <a:r>
-              <a:rPr lang="en-US" dirty="0">
-                <a:solidFill>
-                  <a:schemeClr val="bg1"/>
-                </a:solidFill>
-                <a:latin typeface="Agency FB" panose="020B0503020202020204" pitchFamily="34" charset="0"/>
-              </a:rPr>
-              <a:t>Divided into </a:t>
-            </a:r>
-            <a:r>
-              <a:rPr lang="en-US" b="1" dirty="0">
-                <a:solidFill>
-                  <a:schemeClr val="bg1"/>
-                </a:solidFill>
-                <a:latin typeface="Agency FB" panose="020B0503020202020204" pitchFamily="34" charset="0"/>
-              </a:rPr>
-              <a:t>microservices</a:t>
-            </a:r>
+              <a:rPr lang="bg-BG" sz="2400" dirty="0">
+                <a:solidFill>
+                  <a:schemeClr val="bg1"/>
+                </a:solidFill>
+                <a:latin typeface="Agency FB" panose="020B0503020202020204" pitchFamily="34" charset="0"/>
+              </a:rPr>
+              <a:t>Разделена на </a:t>
+            </a:r>
+            <a:r>
+              <a:rPr lang="bg-BG" sz="2400" dirty="0" err="1">
+                <a:solidFill>
+                  <a:schemeClr val="bg1"/>
+                </a:solidFill>
+                <a:latin typeface="Agency FB" panose="020B0503020202020204" pitchFamily="34" charset="0"/>
+              </a:rPr>
+              <a:t>микросървиси</a:t>
+            </a:r>
+            <a:endParaRPr lang="en-US" sz="2400" b="1" dirty="0">
+              <a:solidFill>
+                <a:schemeClr val="bg1"/>
+              </a:solidFill>
+              <a:latin typeface="Agency FB" panose="020B0503020202020204" pitchFamily="34" charset="0"/>
+            </a:endParaRPr>
           </a:p>
           <a:p>
             <a:pPr>
@@ -5496,34 +6313,41 @@
               </a:lnSpc>
             </a:pPr>
             <a:r>
-              <a:rPr lang="en-US" dirty="0">
-                <a:solidFill>
-                  <a:schemeClr val="bg1"/>
-                </a:solidFill>
-                <a:latin typeface="Agency FB" panose="020B0503020202020204" pitchFamily="34" charset="0"/>
-              </a:rPr>
-              <a:t>Based on </a:t>
-            </a:r>
-            <a:r>
-              <a:rPr lang="en-US" b="1" dirty="0">
-                <a:solidFill>
-                  <a:schemeClr val="bg1"/>
-                </a:solidFill>
-                <a:latin typeface="Agency FB" panose="020B0503020202020204" pitchFamily="34" charset="0"/>
-              </a:rPr>
-              <a:t>Three-Tier architecture </a:t>
-            </a:r>
-            <a:r>
-              <a:rPr lang="en-US" dirty="0">
-                <a:solidFill>
-                  <a:schemeClr val="bg1"/>
-                </a:solidFill>
-                <a:latin typeface="Agency FB" panose="020B0503020202020204" pitchFamily="34" charset="0"/>
-              </a:rPr>
-              <a:t>and</a:t>
-            </a:r>
-            <a:r>
-              <a:rPr lang="en-US" b="1" dirty="0">
+              <a:rPr lang="en-US" sz="2400" b="1" dirty="0">
+                <a:solidFill>
+                  <a:schemeClr val="bg1"/>
+                </a:solidFill>
+                <a:latin typeface="Agency FB" panose="020B0503020202020204" pitchFamily="34" charset="0"/>
+              </a:rPr>
+              <a:t>Three-Tier </a:t>
+            </a:r>
+            <a:r>
+              <a:rPr lang="bg-BG" sz="2400" b="1" dirty="0">
+                <a:solidFill>
+                  <a:schemeClr val="bg1"/>
+                </a:solidFill>
+                <a:latin typeface="Agency FB" panose="020B0503020202020204" pitchFamily="34" charset="0"/>
+              </a:rPr>
+              <a:t>архитектура (не просто трислойна)</a:t>
+            </a:r>
+          </a:p>
+          <a:p>
+            <a:pPr>
+              <a:lnSpc>
+                <a:spcPct val="150000"/>
+              </a:lnSpc>
+            </a:pPr>
+            <a:r>
+              <a:rPr lang="bg-BG" sz="2400" dirty="0">
+                <a:solidFill>
+                  <a:schemeClr val="bg1"/>
+                </a:solidFill>
+                <a:latin typeface="Agency FB" panose="020B0503020202020204" pitchFamily="34" charset="0"/>
+              </a:rPr>
+              <a:t>Следване на</a:t>
+            </a:r>
+            <a:r>
+              <a:rPr lang="en-US" sz="2400" b="1" dirty="0">
                 <a:solidFill>
                   <a:schemeClr val="bg1"/>
                 </a:solidFill>
@@ -5532,15 +6356,15 @@
               <a:t> Clean architecture </a:t>
             </a:r>
             <a:r>
-              <a:rPr lang="en-US" dirty="0">
-                <a:solidFill>
-                  <a:schemeClr val="bg1"/>
-                </a:solidFill>
-                <a:latin typeface="Agency FB" panose="020B0503020202020204" pitchFamily="34" charset="0"/>
-              </a:rPr>
-              <a:t>principles</a:t>
-            </a:r>
-            <a:endParaRPr lang="en-US" b="1" dirty="0">
+              <a:rPr lang="bg-BG" sz="2400" dirty="0">
+                <a:solidFill>
+                  <a:schemeClr val="bg1"/>
+                </a:solidFill>
+                <a:latin typeface="Agency FB" panose="020B0503020202020204" pitchFamily="34" charset="0"/>
+              </a:rPr>
+              <a:t>принципи</a:t>
+            </a:r>
+            <a:endParaRPr lang="en-US" sz="2400" b="1" dirty="0">
               <a:solidFill>
                 <a:schemeClr val="bg1"/>
               </a:solidFill>
@@ -5554,25 +6378,16 @@
               </a:lnSpc>
             </a:pPr>
             <a:r>
-              <a:rPr lang="en-US" b="1" dirty="0">
-                <a:solidFill>
-                  <a:schemeClr val="bg1"/>
-                </a:solidFill>
-                <a:latin typeface="Agency FB" panose="020B0503020202020204" pitchFamily="34" charset="0"/>
-              </a:rPr>
-              <a:t>Training</a:t>
-            </a:r>
-            <a:r>
-              <a:rPr lang="en-US" dirty="0">
-                <a:solidFill>
-                  <a:schemeClr val="bg1"/>
-                </a:solidFill>
-                <a:latin typeface="Agency FB" panose="020B0503020202020204" pitchFamily="34" charset="0"/>
-              </a:rPr>
-              <a:t> and deploying </a:t>
-            </a:r>
-            <a:r>
-              <a:rPr lang="en-US" b="1" dirty="0">
+              <a:rPr lang="bg-BG" sz="2400" b="1" dirty="0">
+                <a:solidFill>
+                  <a:schemeClr val="bg1"/>
+                </a:solidFill>
+                <a:latin typeface="Agency FB" panose="020B0503020202020204" pitchFamily="34" charset="0"/>
+              </a:rPr>
+              <a:t>Трениране на </a:t>
+            </a:r>
+            <a:r>
+              <a:rPr lang="en-US" sz="2400" b="1" dirty="0">
                 <a:solidFill>
                   <a:schemeClr val="bg1"/>
                 </a:solidFill>
@@ -5581,15 +6396,15 @@
               <a:t>AI assistant </a:t>
             </a:r>
             <a:r>
-              <a:rPr lang="en-US" dirty="0">
-                <a:solidFill>
-                  <a:schemeClr val="bg1"/>
-                </a:solidFill>
-                <a:latin typeface="Agency FB" panose="020B0503020202020204" pitchFamily="34" charset="0"/>
-              </a:rPr>
-              <a:t>model</a:t>
-            </a:r>
-            <a:endParaRPr lang="en-US" b="1" dirty="0">
+              <a:rPr lang="bg-BG" sz="2400" dirty="0">
+                <a:solidFill>
+                  <a:schemeClr val="bg1"/>
+                </a:solidFill>
+                <a:latin typeface="Agency FB" panose="020B0503020202020204" pitchFamily="34" charset="0"/>
+              </a:rPr>
+              <a:t>модел – помощник в процеса на взимане на решение</a:t>
+            </a:r>
+            <a:endParaRPr lang="en-US" sz="2400" b="1" dirty="0">
               <a:solidFill>
                 <a:schemeClr val="bg1"/>
               </a:solidFill>
@@ -5603,23 +6418,128 @@
               </a:lnSpc>
             </a:pPr>
             <a:r>
-              <a:rPr lang="en-US" dirty="0">
-                <a:solidFill>
-                  <a:schemeClr val="bg1"/>
-                </a:solidFill>
-                <a:latin typeface="Agency FB" panose="020B0503020202020204" pitchFamily="34" charset="0"/>
-              </a:rPr>
-              <a:t>Implementing API calls or messaging queues for </a:t>
-            </a:r>
-            <a:r>
-              <a:rPr lang="en-US" b="1" dirty="0">
-                <a:solidFill>
-                  <a:schemeClr val="bg1"/>
-                </a:solidFill>
-                <a:latin typeface="Agency FB" panose="020B0503020202020204" pitchFamily="34" charset="0"/>
-              </a:rPr>
-              <a:t>communication with regulators’ systems</a:t>
-            </a:r>
+              <a:rPr lang="bg-BG" sz="2400" dirty="0">
+                <a:solidFill>
+                  <a:schemeClr val="bg1"/>
+                </a:solidFill>
+                <a:latin typeface="Agency FB" panose="020B0503020202020204" pitchFamily="34" charset="0"/>
+              </a:rPr>
+              <a:t>Разработване на</a:t>
+            </a:r>
+            <a:r>
+              <a:rPr lang="en-US" sz="2400" dirty="0">
+                <a:solidFill>
+                  <a:schemeClr val="bg1"/>
+                </a:solidFill>
+                <a:latin typeface="Agency FB" panose="020B0503020202020204" pitchFamily="34" charset="0"/>
+              </a:rPr>
+              <a:t> API </a:t>
+            </a:r>
+            <a:r>
+              <a:rPr lang="bg-BG" sz="2400" dirty="0">
+                <a:solidFill>
+                  <a:schemeClr val="bg1"/>
+                </a:solidFill>
+                <a:latin typeface="Agency FB" panose="020B0503020202020204" pitchFamily="34" charset="0"/>
+              </a:rPr>
+              <a:t>заявки или </a:t>
+            </a:r>
+            <a:r>
+              <a:rPr lang="en-US" sz="2600" dirty="0">
+                <a:solidFill>
+                  <a:schemeClr val="bg1"/>
+                </a:solidFill>
+                <a:latin typeface="Agency FB" panose="020B0503020202020204" pitchFamily="34" charset="0"/>
+              </a:rPr>
+              <a:t>message queues </a:t>
+            </a:r>
+            <a:r>
+              <a:rPr lang="bg-BG" sz="2400" dirty="0">
+                <a:solidFill>
+                  <a:schemeClr val="bg1"/>
+                </a:solidFill>
+                <a:latin typeface="Agency FB" panose="020B0503020202020204" pitchFamily="34" charset="0"/>
+              </a:rPr>
+              <a:t>за</a:t>
+            </a:r>
+            <a:r>
+              <a:rPr lang="en-US" sz="2400" dirty="0">
+                <a:solidFill>
+                  <a:schemeClr val="bg1"/>
+                </a:solidFill>
+                <a:latin typeface="Agency FB" panose="020B0503020202020204" pitchFamily="34" charset="0"/>
+              </a:rPr>
+              <a:t> </a:t>
+            </a:r>
+            <a:r>
+              <a:rPr lang="bg-BG" sz="2400" b="1" dirty="0">
+                <a:solidFill>
+                  <a:schemeClr val="bg1"/>
+                </a:solidFill>
+                <a:latin typeface="Agency FB" panose="020B0503020202020204" pitchFamily="34" charset="0"/>
+              </a:rPr>
+              <a:t>комуникация</a:t>
+            </a:r>
+            <a:r>
+              <a:rPr lang="en-US" sz="2400" b="1" dirty="0">
+                <a:solidFill>
+                  <a:schemeClr val="bg1"/>
+                </a:solidFill>
+                <a:latin typeface="Agency FB" panose="020B0503020202020204" pitchFamily="34" charset="0"/>
+              </a:rPr>
+              <a:t> </a:t>
+            </a:r>
+            <a:r>
+              <a:rPr lang="bg-BG" sz="2400" b="1" dirty="0">
+                <a:solidFill>
+                  <a:schemeClr val="bg1"/>
+                </a:solidFill>
+                <a:latin typeface="Agency FB" panose="020B0503020202020204" pitchFamily="34" charset="0"/>
+              </a:rPr>
+              <a:t>с</a:t>
+            </a:r>
+            <a:r>
+              <a:rPr lang="en-US" sz="2400" b="1" dirty="0">
+                <a:solidFill>
+                  <a:schemeClr val="bg1"/>
+                </a:solidFill>
+                <a:latin typeface="Agency FB" panose="020B0503020202020204" pitchFamily="34" charset="0"/>
+              </a:rPr>
+              <a:t> </a:t>
+            </a:r>
+            <a:r>
+              <a:rPr lang="bg-BG" sz="2400" b="1" dirty="0">
+                <a:solidFill>
+                  <a:schemeClr val="bg1"/>
+                </a:solidFill>
+                <a:latin typeface="Agency FB" panose="020B0503020202020204" pitchFamily="34" charset="0"/>
+              </a:rPr>
+              <a:t>регулаторни</a:t>
+            </a:r>
+            <a:r>
+              <a:rPr lang="en-US" sz="2400" b="1" dirty="0">
+                <a:solidFill>
+                  <a:schemeClr val="bg1"/>
+                </a:solidFill>
+                <a:latin typeface="Agency FB" panose="020B0503020202020204" pitchFamily="34" charset="0"/>
+              </a:rPr>
+              <a:t> </a:t>
+            </a:r>
+            <a:r>
+              <a:rPr lang="bg-BG" sz="2400" b="1" dirty="0">
+                <a:solidFill>
+                  <a:schemeClr val="bg1"/>
+                </a:solidFill>
+                <a:latin typeface="Agency FB" panose="020B0503020202020204" pitchFamily="34" charset="0"/>
+              </a:rPr>
+              <a:t>системи</a:t>
+            </a:r>
+            <a:endParaRPr lang="en-US" sz="2400" b="1" dirty="0">
+              <a:solidFill>
+                <a:schemeClr val="bg1"/>
+              </a:solidFill>
+              <a:latin typeface="Agency FB" panose="020B0503020202020204" pitchFamily="34" charset="0"/>
+            </a:endParaRPr>
           </a:p>
           <a:p>
             <a:pPr>
@@ -5628,16 +6548,16 @@
               </a:lnSpc>
             </a:pPr>
             <a:r>
-              <a:rPr lang="en-US" dirty="0">
-                <a:solidFill>
-                  <a:schemeClr val="bg1"/>
-                </a:solidFill>
-                <a:latin typeface="Agency FB" panose="020B0503020202020204" pitchFamily="34" charset="0"/>
-              </a:rPr>
-              <a:t>Developing complex charts, based on </a:t>
-            </a:r>
-            <a:r>
-              <a:rPr lang="en-US" b="1" dirty="0">
+              <a:rPr lang="bg-BG" sz="2400" dirty="0">
+                <a:solidFill>
+                  <a:schemeClr val="bg1"/>
+                </a:solidFill>
+                <a:latin typeface="Agency FB" panose="020B0503020202020204" pitchFamily="34" charset="0"/>
+              </a:rPr>
+              <a:t>Създаване на комплексни графики,  базирани на </a:t>
+            </a:r>
+            <a:r>
+              <a:rPr lang="en-US" sz="2400" b="1" dirty="0">
                 <a:solidFill>
                   <a:schemeClr val="bg1"/>
                 </a:solidFill>
@@ -5646,23 +6566,65 @@
               <a:t>footprint</a:t>
             </a:r>
             <a:r>
-              <a:rPr lang="en-US" dirty="0">
-                <a:solidFill>
-                  <a:schemeClr val="bg1"/>
-                </a:solidFill>
-                <a:latin typeface="Agency FB" panose="020B0503020202020204" pitchFamily="34" charset="0"/>
-              </a:rPr>
-              <a:t>, and statistical tools like </a:t>
-            </a:r>
-            <a:r>
-              <a:rPr lang="en-US" b="1" dirty="0">
-                <a:solidFill>
-                  <a:schemeClr val="bg1"/>
-                </a:solidFill>
-                <a:latin typeface="Agency FB" panose="020B0503020202020204" pitchFamily="34" charset="0"/>
-              </a:rPr>
-              <a:t>Gaussian Curves</a:t>
-            </a:r>
+              <a:rPr lang="en-US" sz="2400" dirty="0">
+                <a:solidFill>
+                  <a:schemeClr val="bg1"/>
+                </a:solidFill>
+                <a:latin typeface="Agency FB" panose="020B0503020202020204" pitchFamily="34" charset="0"/>
+              </a:rPr>
+              <a:t>, </a:t>
+            </a:r>
+            <a:r>
+              <a:rPr lang="bg-BG" sz="2400" dirty="0">
+                <a:solidFill>
+                  <a:schemeClr val="bg1"/>
+                </a:solidFill>
+                <a:latin typeface="Agency FB" panose="020B0503020202020204" pitchFamily="34" charset="0"/>
+              </a:rPr>
+              <a:t>и</a:t>
+            </a:r>
+            <a:r>
+              <a:rPr lang="en-US" sz="2400" dirty="0">
+                <a:solidFill>
+                  <a:schemeClr val="bg1"/>
+                </a:solidFill>
+                <a:latin typeface="Agency FB" panose="020B0503020202020204" pitchFamily="34" charset="0"/>
+              </a:rPr>
+              <a:t> </a:t>
+            </a:r>
+            <a:r>
+              <a:rPr lang="bg-BG" sz="2400" dirty="0">
+                <a:solidFill>
+                  <a:schemeClr val="bg1"/>
+                </a:solidFill>
+                <a:latin typeface="Agency FB" panose="020B0503020202020204" pitchFamily="34" charset="0"/>
+              </a:rPr>
+              <a:t>статистически инструменти като </a:t>
+            </a:r>
+            <a:r>
+              <a:rPr lang="bg-BG" sz="2400" dirty="0" err="1">
+                <a:solidFill>
+                  <a:schemeClr val="bg1"/>
+                </a:solidFill>
+                <a:latin typeface="Agency FB" panose="020B0503020202020204" pitchFamily="34" charset="0"/>
+              </a:rPr>
+              <a:t>Гаусова</a:t>
+            </a:r>
+            <a:r>
+              <a:rPr lang="bg-BG" sz="2400" dirty="0">
+                <a:solidFill>
+                  <a:schemeClr val="bg1"/>
+                </a:solidFill>
+                <a:latin typeface="Agency FB" panose="020B0503020202020204" pitchFamily="34" charset="0"/>
+              </a:rPr>
+              <a:t> крива</a:t>
+            </a:r>
+            <a:endParaRPr lang="en-US" sz="2400" b="1" dirty="0">
+              <a:solidFill>
+                <a:schemeClr val="bg1"/>
+              </a:solidFill>
+              <a:latin typeface="Agency FB" panose="020B0503020202020204" pitchFamily="34" charset="0"/>
+            </a:endParaRPr>
           </a:p>
           <a:p>
             <a:pPr>
@@ -5671,16 +6633,25 @@
               </a:lnSpc>
             </a:pPr>
             <a:r>
-              <a:rPr lang="en-US" dirty="0">
-                <a:solidFill>
-                  <a:schemeClr val="bg1"/>
-                </a:solidFill>
-                <a:latin typeface="Agency FB" panose="020B0503020202020204" pitchFamily="34" charset="0"/>
-              </a:rPr>
-              <a:t>Mobile and desktop applications  - </a:t>
-            </a:r>
-            <a:r>
-              <a:rPr lang="en-US" b="1" dirty="0">
+              <a:rPr lang="bg-BG" sz="2400" dirty="0">
+                <a:solidFill>
+                  <a:schemeClr val="bg1"/>
+                </a:solidFill>
+                <a:latin typeface="Agency FB" panose="020B0503020202020204" pitchFamily="34" charset="0"/>
+              </a:rPr>
+              <a:t>Мобилни и десктоп приложения </a:t>
+            </a:r>
+            <a:r>
+              <a:rPr lang="en-US" sz="2400" dirty="0">
+                <a:solidFill>
+                  <a:schemeClr val="bg1"/>
+                </a:solidFill>
+                <a:latin typeface="Agency FB" panose="020B0503020202020204" pitchFamily="34" charset="0"/>
+              </a:rPr>
+              <a:t>- </a:t>
+            </a:r>
+            <a:r>
+              <a:rPr lang="en-US" sz="2400" b="1" dirty="0">
                 <a:solidFill>
                   <a:schemeClr val="bg1"/>
                 </a:solidFill>
@@ -5701,6 +6672,9 @@
   <p:clrMapOvr>
     <a:masterClrMapping/>
   </p:clrMapOvr>
+  <p:transition spd="slow">
+    <p:push dir="u"/>
+  </p:transition>
 </p:sld>
 </file>
 
@@ -5782,8 +6756,8 @@
         </p:nvSpPr>
         <p:spPr>
           <a:xfrm>
-            <a:off x="60960" y="0"/>
-            <a:ext cx="12070080" cy="6766560"/>
+            <a:off x="0" y="0"/>
+            <a:ext cx="12192000" cy="6858000"/>
           </a:xfrm>
           <a:prstGeom prst="rect">
             <a:avLst/>
@@ -5822,7 +6796,7 @@
           <a:lstStyle/>
           <a:p>
             <a:pPr algn="ctr"/>
-            <a:endParaRPr lang="en-US"/>
+            <a:endParaRPr lang="en-US" dirty="0"/>
           </a:p>
         </p:txBody>
       </p:sp>
@@ -5860,7 +6834,7 @@
                 </a:solidFill>
                 <a:latin typeface="Agency FB" panose="020B0503020202020204" pitchFamily="34" charset="0"/>
               </a:rPr>
-              <a:t>Thank you for your attention!</a:t>
+              <a:t>DEMO</a:t>
             </a:r>
           </a:p>
         </p:txBody>
@@ -5875,6 +6849,9 @@
   <p:clrMapOvr>
     <a:masterClrMapping/>
   </p:clrMapOvr>
+  <p:transition spd="slow">
+    <p:push dir="u"/>
+  </p:transition>
 </p:sld>
 </file>
 
